--- a/analysis/submitted_analyses/aDDM_predictions.pptx
+++ b/analysis/submitted_analyses/aDDM_predictions.pptx
@@ -2,12 +2,12 @@
 <file path=ppt/presentation.xml><?xml version="1.0" encoding="utf-8"?>
 <p:presentation xmlns:a="http://schemas.openxmlformats.org/drawingml/2006/main" xmlns:r="http://schemas.openxmlformats.org/officeDocument/2006/relationships" xmlns:p="http://schemas.openxmlformats.org/presentationml/2006/main" saveSubsetFonts="1" autoCompressPictures="0">
   <p:sldMasterIdLst>
-    <p:sldMasterId id="2147483732" r:id="rId1"/>
+    <p:sldMasterId id="2147483768" r:id="rId1"/>
   </p:sldMasterIdLst>
   <p:sldIdLst>
     <p:sldId id="257" r:id="rId2"/>
   </p:sldIdLst>
-  <p:sldSz cx="10972800" cy="7680325"/>
+  <p:sldSz cx="8229600" cy="12179300"/>
   <p:notesSz cx="6858000" cy="9144000"/>
   <p:defaultTextStyle>
     <a:defPPr>
@@ -141,15 +141,15 @@
         </p:nvSpPr>
         <p:spPr>
           <a:xfrm>
-            <a:off x="822960" y="1256943"/>
-            <a:ext cx="9326880" cy="2673891"/>
+            <a:off x="617220" y="1993233"/>
+            <a:ext cx="6995160" cy="4240201"/>
           </a:xfrm>
         </p:spPr>
         <p:txBody>
           <a:bodyPr anchor="b"/>
           <a:lstStyle>
             <a:lvl1pPr algn="ctr">
-              <a:defRPr sz="6719"/>
+              <a:defRPr sz="5400"/>
             </a:lvl1pPr>
           </a:lstStyle>
           <a:p>
@@ -173,8 +173,8 @@
         </p:nvSpPr>
         <p:spPr>
           <a:xfrm>
-            <a:off x="1371600" y="4033949"/>
-            <a:ext cx="8229600" cy="1854300"/>
+            <a:off x="1028700" y="6396953"/>
+            <a:ext cx="6172200" cy="2940511"/>
           </a:xfrm>
         </p:spPr>
         <p:txBody>
@@ -182,39 +182,39 @@
           <a:lstStyle>
             <a:lvl1pPr marL="0" indent="0" algn="ctr">
               <a:buNone/>
-              <a:defRPr sz="2688"/>
+              <a:defRPr sz="2160"/>
             </a:lvl1pPr>
-            <a:lvl2pPr marL="512018" indent="0" algn="ctr">
-              <a:buNone/>
-              <a:defRPr sz="2240"/>
+            <a:lvl2pPr marL="411480" indent="0" algn="ctr">
+              <a:buNone/>
+              <a:defRPr sz="1800"/>
             </a:lvl2pPr>
-            <a:lvl3pPr marL="1024037" indent="0" algn="ctr">
-              <a:buNone/>
-              <a:defRPr sz="2016"/>
+            <a:lvl3pPr marL="822960" indent="0" algn="ctr">
+              <a:buNone/>
+              <a:defRPr sz="1620"/>
             </a:lvl3pPr>
-            <a:lvl4pPr marL="1536055" indent="0" algn="ctr">
-              <a:buNone/>
-              <a:defRPr sz="1792"/>
+            <a:lvl4pPr marL="1234440" indent="0" algn="ctr">
+              <a:buNone/>
+              <a:defRPr sz="1440"/>
             </a:lvl4pPr>
-            <a:lvl5pPr marL="2048073" indent="0" algn="ctr">
-              <a:buNone/>
-              <a:defRPr sz="1792"/>
+            <a:lvl5pPr marL="1645920" indent="0" algn="ctr">
+              <a:buNone/>
+              <a:defRPr sz="1440"/>
             </a:lvl5pPr>
-            <a:lvl6pPr marL="2560091" indent="0" algn="ctr">
-              <a:buNone/>
-              <a:defRPr sz="1792"/>
+            <a:lvl6pPr marL="2057400" indent="0" algn="ctr">
+              <a:buNone/>
+              <a:defRPr sz="1440"/>
             </a:lvl6pPr>
-            <a:lvl7pPr marL="3072110" indent="0" algn="ctr">
-              <a:buNone/>
-              <a:defRPr sz="1792"/>
+            <a:lvl7pPr marL="2468880" indent="0" algn="ctr">
+              <a:buNone/>
+              <a:defRPr sz="1440"/>
             </a:lvl7pPr>
-            <a:lvl8pPr marL="3584128" indent="0" algn="ctr">
-              <a:buNone/>
-              <a:defRPr sz="1792"/>
+            <a:lvl8pPr marL="2880360" indent="0" algn="ctr">
+              <a:buNone/>
+              <a:defRPr sz="1440"/>
             </a:lvl8pPr>
-            <a:lvl9pPr marL="4096146" indent="0" algn="ctr">
-              <a:buNone/>
-              <a:defRPr sz="1792"/>
+            <a:lvl9pPr marL="3291840" indent="0" algn="ctr">
+              <a:buNone/>
+              <a:defRPr sz="1440"/>
             </a:lvl9pPr>
           </a:lstStyle>
           <a:p>
@@ -241,9 +241,9 @@
           <a:bodyPr/>
           <a:lstStyle/>
           <a:p>
-            <a:fld id="{CFC60B5F-2253-DF41-8690-61B53F1555CE}" type="datetimeFigureOut">
+            <a:fld id="{56A34C3C-A36F-F249-809C-A0018531D0A6}" type="datetimeFigureOut">
               <a:rPr lang="en-US" smtClean="0"/>
-              <a:t>3/28/24</a:t>
+              <a:t>6/27/24</a:t>
             </a:fld>
             <a:endParaRPr lang="en-US"/>
           </a:p>
@@ -283,7 +283,7 @@
           <a:bodyPr/>
           <a:lstStyle/>
           <a:p>
-            <a:fld id="{1FA823EF-133B-4947-A6DC-D1A9D6E2AF53}" type="slidenum">
+            <a:fld id="{0862677F-7782-2B4C-9766-B1B982891292}" type="slidenum">
               <a:rPr lang="en-US" smtClean="0"/>
               <a:t>‹#›</a:t>
             </a:fld>
@@ -294,7 +294,7 @@
     </p:spTree>
     <p:extLst>
       <p:ext uri="{BB962C8B-B14F-4D97-AF65-F5344CB8AC3E}">
-        <p14:creationId xmlns:p14="http://schemas.microsoft.com/office/powerpoint/2010/main" val="3050940165"/>
+        <p14:creationId xmlns:p14="http://schemas.microsoft.com/office/powerpoint/2010/main" val="3364765616"/>
       </p:ext>
     </p:extLst>
   </p:cSld>
@@ -411,9 +411,9 @@
           <a:bodyPr/>
           <a:lstStyle/>
           <a:p>
-            <a:fld id="{CFC60B5F-2253-DF41-8690-61B53F1555CE}" type="datetimeFigureOut">
+            <a:fld id="{56A34C3C-A36F-F249-809C-A0018531D0A6}" type="datetimeFigureOut">
               <a:rPr lang="en-US" smtClean="0"/>
-              <a:t>3/28/24</a:t>
+              <a:t>6/27/24</a:t>
             </a:fld>
             <a:endParaRPr lang="en-US"/>
           </a:p>
@@ -453,7 +453,7 @@
           <a:bodyPr/>
           <a:lstStyle/>
           <a:p>
-            <a:fld id="{1FA823EF-133B-4947-A6DC-D1A9D6E2AF53}" type="slidenum">
+            <a:fld id="{0862677F-7782-2B4C-9766-B1B982891292}" type="slidenum">
               <a:rPr lang="en-US" smtClean="0"/>
               <a:t>‹#›</a:t>
             </a:fld>
@@ -464,7 +464,7 @@
     </p:spTree>
     <p:extLst>
       <p:ext uri="{BB962C8B-B14F-4D97-AF65-F5344CB8AC3E}">
-        <p14:creationId xmlns:p14="http://schemas.microsoft.com/office/powerpoint/2010/main" val="82588312"/>
+        <p14:creationId xmlns:p14="http://schemas.microsoft.com/office/powerpoint/2010/main" val="3156613379"/>
       </p:ext>
     </p:extLst>
   </p:cSld>
@@ -503,8 +503,8 @@
         </p:nvSpPr>
         <p:spPr>
           <a:xfrm>
-            <a:off x="7852411" y="408906"/>
-            <a:ext cx="2366010" cy="6508720"/>
+            <a:off x="5889308" y="648435"/>
+            <a:ext cx="1774508" cy="10321394"/>
           </a:xfrm>
         </p:spPr>
         <p:txBody>
@@ -531,8 +531,8 @@
         </p:nvSpPr>
         <p:spPr>
           <a:xfrm>
-            <a:off x="754381" y="408906"/>
-            <a:ext cx="6960870" cy="6508720"/>
+            <a:off x="565785" y="648435"/>
+            <a:ext cx="5220653" cy="10321394"/>
           </a:xfrm>
         </p:spPr>
         <p:txBody>
@@ -591,9 +591,9 @@
           <a:bodyPr/>
           <a:lstStyle/>
           <a:p>
-            <a:fld id="{CFC60B5F-2253-DF41-8690-61B53F1555CE}" type="datetimeFigureOut">
+            <a:fld id="{56A34C3C-A36F-F249-809C-A0018531D0A6}" type="datetimeFigureOut">
               <a:rPr lang="en-US" smtClean="0"/>
-              <a:t>3/28/24</a:t>
+              <a:t>6/27/24</a:t>
             </a:fld>
             <a:endParaRPr lang="en-US"/>
           </a:p>
@@ -633,7 +633,7 @@
           <a:bodyPr/>
           <a:lstStyle/>
           <a:p>
-            <a:fld id="{1FA823EF-133B-4947-A6DC-D1A9D6E2AF53}" type="slidenum">
+            <a:fld id="{0862677F-7782-2B4C-9766-B1B982891292}" type="slidenum">
               <a:rPr lang="en-US" smtClean="0"/>
               <a:t>‹#›</a:t>
             </a:fld>
@@ -644,7 +644,7 @@
     </p:spTree>
     <p:extLst>
       <p:ext uri="{BB962C8B-B14F-4D97-AF65-F5344CB8AC3E}">
-        <p14:creationId xmlns:p14="http://schemas.microsoft.com/office/powerpoint/2010/main" val="3592853260"/>
+        <p14:creationId xmlns:p14="http://schemas.microsoft.com/office/powerpoint/2010/main" val="802392622"/>
       </p:ext>
     </p:extLst>
   </p:cSld>
@@ -761,9 +761,9 @@
           <a:bodyPr/>
           <a:lstStyle/>
           <a:p>
-            <a:fld id="{CFC60B5F-2253-DF41-8690-61B53F1555CE}" type="datetimeFigureOut">
+            <a:fld id="{56A34C3C-A36F-F249-809C-A0018531D0A6}" type="datetimeFigureOut">
               <a:rPr lang="en-US" smtClean="0"/>
-              <a:t>3/28/24</a:t>
+              <a:t>6/27/24</a:t>
             </a:fld>
             <a:endParaRPr lang="en-US"/>
           </a:p>
@@ -803,7 +803,7 @@
           <a:bodyPr/>
           <a:lstStyle/>
           <a:p>
-            <a:fld id="{1FA823EF-133B-4947-A6DC-D1A9D6E2AF53}" type="slidenum">
+            <a:fld id="{0862677F-7782-2B4C-9766-B1B982891292}" type="slidenum">
               <a:rPr lang="en-US" smtClean="0"/>
               <a:t>‹#›</a:t>
             </a:fld>
@@ -814,7 +814,7 @@
     </p:spTree>
     <p:extLst>
       <p:ext uri="{BB962C8B-B14F-4D97-AF65-F5344CB8AC3E}">
-        <p14:creationId xmlns:p14="http://schemas.microsoft.com/office/powerpoint/2010/main" val="4115506215"/>
+        <p14:creationId xmlns:p14="http://schemas.microsoft.com/office/powerpoint/2010/main" val="2785877040"/>
       </p:ext>
     </p:extLst>
   </p:cSld>
@@ -853,15 +853,15 @@
         </p:nvSpPr>
         <p:spPr>
           <a:xfrm>
-            <a:off x="748666" y="1914750"/>
-            <a:ext cx="9464040" cy="3194801"/>
+            <a:off x="561499" y="3036371"/>
+            <a:ext cx="7098030" cy="5066250"/>
           </a:xfrm>
         </p:spPr>
         <p:txBody>
           <a:bodyPr anchor="b"/>
           <a:lstStyle>
             <a:lvl1pPr>
-              <a:defRPr sz="6719"/>
+              <a:defRPr sz="5400"/>
             </a:lvl1pPr>
           </a:lstStyle>
           <a:p>
@@ -885,8 +885,8 @@
         </p:nvSpPr>
         <p:spPr>
           <a:xfrm>
-            <a:off x="748666" y="5139775"/>
-            <a:ext cx="9464040" cy="1680071"/>
+            <a:off x="561499" y="8150549"/>
+            <a:ext cx="7098030" cy="2664221"/>
           </a:xfrm>
         </p:spPr>
         <p:txBody>
@@ -894,15 +894,15 @@
           <a:lstStyle>
             <a:lvl1pPr marL="0" indent="0">
               <a:buNone/>
-              <a:defRPr sz="2688">
+              <a:defRPr sz="2160">
                 <a:solidFill>
                   <a:schemeClr val="tx1"/>
                 </a:solidFill>
               </a:defRPr>
             </a:lvl1pPr>
-            <a:lvl2pPr marL="512018" indent="0">
-              <a:buNone/>
-              <a:defRPr sz="2240">
+            <a:lvl2pPr marL="411480" indent="0">
+              <a:buNone/>
+              <a:defRPr sz="1800">
                 <a:solidFill>
                   <a:schemeClr val="tx1">
                     <a:tint val="75000"/>
@@ -910,9 +910,9 @@
                 </a:solidFill>
               </a:defRPr>
             </a:lvl2pPr>
-            <a:lvl3pPr marL="1024037" indent="0">
-              <a:buNone/>
-              <a:defRPr sz="2016">
+            <a:lvl3pPr marL="822960" indent="0">
+              <a:buNone/>
+              <a:defRPr sz="1620">
                 <a:solidFill>
                   <a:schemeClr val="tx1">
                     <a:tint val="75000"/>
@@ -920,9 +920,9 @@
                 </a:solidFill>
               </a:defRPr>
             </a:lvl3pPr>
-            <a:lvl4pPr marL="1536055" indent="0">
-              <a:buNone/>
-              <a:defRPr sz="1792">
+            <a:lvl4pPr marL="1234440" indent="0">
+              <a:buNone/>
+              <a:defRPr sz="1440">
                 <a:solidFill>
                   <a:schemeClr val="tx1">
                     <a:tint val="75000"/>
@@ -930,9 +930,9 @@
                 </a:solidFill>
               </a:defRPr>
             </a:lvl4pPr>
-            <a:lvl5pPr marL="2048073" indent="0">
-              <a:buNone/>
-              <a:defRPr sz="1792">
+            <a:lvl5pPr marL="1645920" indent="0">
+              <a:buNone/>
+              <a:defRPr sz="1440">
                 <a:solidFill>
                   <a:schemeClr val="tx1">
                     <a:tint val="75000"/>
@@ -940,9 +940,9 @@
                 </a:solidFill>
               </a:defRPr>
             </a:lvl5pPr>
-            <a:lvl6pPr marL="2560091" indent="0">
-              <a:buNone/>
-              <a:defRPr sz="1792">
+            <a:lvl6pPr marL="2057400" indent="0">
+              <a:buNone/>
+              <a:defRPr sz="1440">
                 <a:solidFill>
                   <a:schemeClr val="tx1">
                     <a:tint val="75000"/>
@@ -950,9 +950,9 @@
                 </a:solidFill>
               </a:defRPr>
             </a:lvl6pPr>
-            <a:lvl7pPr marL="3072110" indent="0">
-              <a:buNone/>
-              <a:defRPr sz="1792">
+            <a:lvl7pPr marL="2468880" indent="0">
+              <a:buNone/>
+              <a:defRPr sz="1440">
                 <a:solidFill>
                   <a:schemeClr val="tx1">
                     <a:tint val="75000"/>
@@ -960,9 +960,9 @@
                 </a:solidFill>
               </a:defRPr>
             </a:lvl7pPr>
-            <a:lvl8pPr marL="3584128" indent="0">
-              <a:buNone/>
-              <a:defRPr sz="1792">
+            <a:lvl8pPr marL="2880360" indent="0">
+              <a:buNone/>
+              <a:defRPr sz="1440">
                 <a:solidFill>
                   <a:schemeClr val="tx1">
                     <a:tint val="75000"/>
@@ -970,9 +970,9 @@
                 </a:solidFill>
               </a:defRPr>
             </a:lvl8pPr>
-            <a:lvl9pPr marL="4096146" indent="0">
-              <a:buNone/>
-              <a:defRPr sz="1792">
+            <a:lvl9pPr marL="3291840" indent="0">
+              <a:buNone/>
+              <a:defRPr sz="1440">
                 <a:solidFill>
                   <a:schemeClr val="tx1">
                     <a:tint val="75000"/>
@@ -1005,9 +1005,9 @@
           <a:bodyPr/>
           <a:lstStyle/>
           <a:p>
-            <a:fld id="{CFC60B5F-2253-DF41-8690-61B53F1555CE}" type="datetimeFigureOut">
+            <a:fld id="{56A34C3C-A36F-F249-809C-A0018531D0A6}" type="datetimeFigureOut">
               <a:rPr lang="en-US" smtClean="0"/>
-              <a:t>3/28/24</a:t>
+              <a:t>6/27/24</a:t>
             </a:fld>
             <a:endParaRPr lang="en-US"/>
           </a:p>
@@ -1047,7 +1047,7 @@
           <a:bodyPr/>
           <a:lstStyle/>
           <a:p>
-            <a:fld id="{1FA823EF-133B-4947-A6DC-D1A9D6E2AF53}" type="slidenum">
+            <a:fld id="{0862677F-7782-2B4C-9766-B1B982891292}" type="slidenum">
               <a:rPr lang="en-US" smtClean="0"/>
               <a:t>‹#›</a:t>
             </a:fld>
@@ -1058,7 +1058,7 @@
     </p:spTree>
     <p:extLst>
       <p:ext uri="{BB962C8B-B14F-4D97-AF65-F5344CB8AC3E}">
-        <p14:creationId xmlns:p14="http://schemas.microsoft.com/office/powerpoint/2010/main" val="2918928835"/>
+        <p14:creationId xmlns:p14="http://schemas.microsoft.com/office/powerpoint/2010/main" val="714618931"/>
       </p:ext>
     </p:extLst>
   </p:cSld>
@@ -1120,8 +1120,8 @@
         </p:nvSpPr>
         <p:spPr>
           <a:xfrm>
-            <a:off x="754380" y="2044531"/>
-            <a:ext cx="4663440" cy="4873096"/>
+            <a:off x="565785" y="3242175"/>
+            <a:ext cx="3497580" cy="7727654"/>
           </a:xfrm>
         </p:spPr>
         <p:txBody>
@@ -1177,8 +1177,8 @@
         </p:nvSpPr>
         <p:spPr>
           <a:xfrm>
-            <a:off x="5554980" y="2044531"/>
-            <a:ext cx="4663440" cy="4873096"/>
+            <a:off x="4166235" y="3242175"/>
+            <a:ext cx="3497580" cy="7727654"/>
           </a:xfrm>
         </p:spPr>
         <p:txBody>
@@ -1237,9 +1237,9 @@
           <a:bodyPr/>
           <a:lstStyle/>
           <a:p>
-            <a:fld id="{CFC60B5F-2253-DF41-8690-61B53F1555CE}" type="datetimeFigureOut">
+            <a:fld id="{56A34C3C-A36F-F249-809C-A0018531D0A6}" type="datetimeFigureOut">
               <a:rPr lang="en-US" smtClean="0"/>
-              <a:t>3/28/24</a:t>
+              <a:t>6/27/24</a:t>
             </a:fld>
             <a:endParaRPr lang="en-US"/>
           </a:p>
@@ -1279,7 +1279,7 @@
           <a:bodyPr/>
           <a:lstStyle/>
           <a:p>
-            <a:fld id="{1FA823EF-133B-4947-A6DC-D1A9D6E2AF53}" type="slidenum">
+            <a:fld id="{0862677F-7782-2B4C-9766-B1B982891292}" type="slidenum">
               <a:rPr lang="en-US" smtClean="0"/>
               <a:t>‹#›</a:t>
             </a:fld>
@@ -1290,7 +1290,7 @@
     </p:spTree>
     <p:extLst>
       <p:ext uri="{BB962C8B-B14F-4D97-AF65-F5344CB8AC3E}">
-        <p14:creationId xmlns:p14="http://schemas.microsoft.com/office/powerpoint/2010/main" val="1576207342"/>
+        <p14:creationId xmlns:p14="http://schemas.microsoft.com/office/powerpoint/2010/main" val="473397434"/>
       </p:ext>
     </p:extLst>
   </p:cSld>
@@ -1329,8 +1329,8 @@
         </p:nvSpPr>
         <p:spPr>
           <a:xfrm>
-            <a:off x="755809" y="408908"/>
-            <a:ext cx="9464040" cy="1484508"/>
+            <a:off x="566857" y="648437"/>
+            <a:ext cx="7098030" cy="2354102"/>
           </a:xfrm>
         </p:spPr>
         <p:txBody>
@@ -1357,8 +1357,8 @@
         </p:nvSpPr>
         <p:spPr>
           <a:xfrm>
-            <a:off x="755810" y="1882747"/>
-            <a:ext cx="4642008" cy="922705"/>
+            <a:off x="566858" y="2985621"/>
+            <a:ext cx="3481506" cy="1463207"/>
           </a:xfrm>
         </p:spPr>
         <p:txBody>
@@ -1366,39 +1366,39 @@
           <a:lstStyle>
             <a:lvl1pPr marL="0" indent="0">
               <a:buNone/>
-              <a:defRPr sz="2688" b="1"/>
+              <a:defRPr sz="2160" b="1"/>
             </a:lvl1pPr>
-            <a:lvl2pPr marL="512018" indent="0">
-              <a:buNone/>
-              <a:defRPr sz="2240" b="1"/>
+            <a:lvl2pPr marL="411480" indent="0">
+              <a:buNone/>
+              <a:defRPr sz="1800" b="1"/>
             </a:lvl2pPr>
-            <a:lvl3pPr marL="1024037" indent="0">
-              <a:buNone/>
-              <a:defRPr sz="2016" b="1"/>
+            <a:lvl3pPr marL="822960" indent="0">
+              <a:buNone/>
+              <a:defRPr sz="1620" b="1"/>
             </a:lvl3pPr>
-            <a:lvl4pPr marL="1536055" indent="0">
-              <a:buNone/>
-              <a:defRPr sz="1792" b="1"/>
+            <a:lvl4pPr marL="1234440" indent="0">
+              <a:buNone/>
+              <a:defRPr sz="1440" b="1"/>
             </a:lvl4pPr>
-            <a:lvl5pPr marL="2048073" indent="0">
-              <a:buNone/>
-              <a:defRPr sz="1792" b="1"/>
+            <a:lvl5pPr marL="1645920" indent="0">
+              <a:buNone/>
+              <a:defRPr sz="1440" b="1"/>
             </a:lvl5pPr>
-            <a:lvl6pPr marL="2560091" indent="0">
-              <a:buNone/>
-              <a:defRPr sz="1792" b="1"/>
+            <a:lvl6pPr marL="2057400" indent="0">
+              <a:buNone/>
+              <a:defRPr sz="1440" b="1"/>
             </a:lvl6pPr>
-            <a:lvl7pPr marL="3072110" indent="0">
-              <a:buNone/>
-              <a:defRPr sz="1792" b="1"/>
+            <a:lvl7pPr marL="2468880" indent="0">
+              <a:buNone/>
+              <a:defRPr sz="1440" b="1"/>
             </a:lvl7pPr>
-            <a:lvl8pPr marL="3584128" indent="0">
-              <a:buNone/>
-              <a:defRPr sz="1792" b="1"/>
+            <a:lvl8pPr marL="2880360" indent="0">
+              <a:buNone/>
+              <a:defRPr sz="1440" b="1"/>
             </a:lvl8pPr>
-            <a:lvl9pPr marL="4096146" indent="0">
-              <a:buNone/>
-              <a:defRPr sz="1792" b="1"/>
+            <a:lvl9pPr marL="3291840" indent="0">
+              <a:buNone/>
+              <a:defRPr sz="1440" b="1"/>
             </a:lvl9pPr>
           </a:lstStyle>
           <a:p>
@@ -1422,8 +1422,8 @@
         </p:nvSpPr>
         <p:spPr>
           <a:xfrm>
-            <a:off x="755810" y="2805452"/>
-            <a:ext cx="4642008" cy="4126397"/>
+            <a:off x="566858" y="4448828"/>
+            <a:ext cx="3481506" cy="6543555"/>
           </a:xfrm>
         </p:spPr>
         <p:txBody>
@@ -1479,8 +1479,8 @@
         </p:nvSpPr>
         <p:spPr>
           <a:xfrm>
-            <a:off x="5554981" y="1882747"/>
-            <a:ext cx="4664869" cy="922705"/>
+            <a:off x="4166235" y="2985621"/>
+            <a:ext cx="3498652" cy="1463207"/>
           </a:xfrm>
         </p:spPr>
         <p:txBody>
@@ -1488,39 +1488,39 @@
           <a:lstStyle>
             <a:lvl1pPr marL="0" indent="0">
               <a:buNone/>
-              <a:defRPr sz="2688" b="1"/>
+              <a:defRPr sz="2160" b="1"/>
             </a:lvl1pPr>
-            <a:lvl2pPr marL="512018" indent="0">
-              <a:buNone/>
-              <a:defRPr sz="2240" b="1"/>
+            <a:lvl2pPr marL="411480" indent="0">
+              <a:buNone/>
+              <a:defRPr sz="1800" b="1"/>
             </a:lvl2pPr>
-            <a:lvl3pPr marL="1024037" indent="0">
-              <a:buNone/>
-              <a:defRPr sz="2016" b="1"/>
+            <a:lvl3pPr marL="822960" indent="0">
+              <a:buNone/>
+              <a:defRPr sz="1620" b="1"/>
             </a:lvl3pPr>
-            <a:lvl4pPr marL="1536055" indent="0">
-              <a:buNone/>
-              <a:defRPr sz="1792" b="1"/>
+            <a:lvl4pPr marL="1234440" indent="0">
+              <a:buNone/>
+              <a:defRPr sz="1440" b="1"/>
             </a:lvl4pPr>
-            <a:lvl5pPr marL="2048073" indent="0">
-              <a:buNone/>
-              <a:defRPr sz="1792" b="1"/>
+            <a:lvl5pPr marL="1645920" indent="0">
+              <a:buNone/>
+              <a:defRPr sz="1440" b="1"/>
             </a:lvl5pPr>
-            <a:lvl6pPr marL="2560091" indent="0">
-              <a:buNone/>
-              <a:defRPr sz="1792" b="1"/>
+            <a:lvl6pPr marL="2057400" indent="0">
+              <a:buNone/>
+              <a:defRPr sz="1440" b="1"/>
             </a:lvl6pPr>
-            <a:lvl7pPr marL="3072110" indent="0">
-              <a:buNone/>
-              <a:defRPr sz="1792" b="1"/>
+            <a:lvl7pPr marL="2468880" indent="0">
+              <a:buNone/>
+              <a:defRPr sz="1440" b="1"/>
             </a:lvl7pPr>
-            <a:lvl8pPr marL="3584128" indent="0">
-              <a:buNone/>
-              <a:defRPr sz="1792" b="1"/>
+            <a:lvl8pPr marL="2880360" indent="0">
+              <a:buNone/>
+              <a:defRPr sz="1440" b="1"/>
             </a:lvl8pPr>
-            <a:lvl9pPr marL="4096146" indent="0">
-              <a:buNone/>
-              <a:defRPr sz="1792" b="1"/>
+            <a:lvl9pPr marL="3291840" indent="0">
+              <a:buNone/>
+              <a:defRPr sz="1440" b="1"/>
             </a:lvl9pPr>
           </a:lstStyle>
           <a:p>
@@ -1544,8 +1544,8 @@
         </p:nvSpPr>
         <p:spPr>
           <a:xfrm>
-            <a:off x="5554981" y="2805452"/>
-            <a:ext cx="4664869" cy="4126397"/>
+            <a:off x="4166235" y="4448828"/>
+            <a:ext cx="3498652" cy="6543555"/>
           </a:xfrm>
         </p:spPr>
         <p:txBody>
@@ -1604,9 +1604,9 @@
           <a:bodyPr/>
           <a:lstStyle/>
           <a:p>
-            <a:fld id="{CFC60B5F-2253-DF41-8690-61B53F1555CE}" type="datetimeFigureOut">
+            <a:fld id="{56A34C3C-A36F-F249-809C-A0018531D0A6}" type="datetimeFigureOut">
               <a:rPr lang="en-US" smtClean="0"/>
-              <a:t>3/28/24</a:t>
+              <a:t>6/27/24</a:t>
             </a:fld>
             <a:endParaRPr lang="en-US"/>
           </a:p>
@@ -1646,7 +1646,7 @@
           <a:bodyPr/>
           <a:lstStyle/>
           <a:p>
-            <a:fld id="{1FA823EF-133B-4947-A6DC-D1A9D6E2AF53}" type="slidenum">
+            <a:fld id="{0862677F-7782-2B4C-9766-B1B982891292}" type="slidenum">
               <a:rPr lang="en-US" smtClean="0"/>
               <a:t>‹#›</a:t>
             </a:fld>
@@ -1657,7 +1657,7 @@
     </p:spTree>
     <p:extLst>
       <p:ext uri="{BB962C8B-B14F-4D97-AF65-F5344CB8AC3E}">
-        <p14:creationId xmlns:p14="http://schemas.microsoft.com/office/powerpoint/2010/main" val="4185219232"/>
+        <p14:creationId xmlns:p14="http://schemas.microsoft.com/office/powerpoint/2010/main" val="2850280122"/>
       </p:ext>
     </p:extLst>
   </p:cSld>
@@ -1722,9 +1722,9 @@
           <a:bodyPr/>
           <a:lstStyle/>
           <a:p>
-            <a:fld id="{CFC60B5F-2253-DF41-8690-61B53F1555CE}" type="datetimeFigureOut">
+            <a:fld id="{56A34C3C-A36F-F249-809C-A0018531D0A6}" type="datetimeFigureOut">
               <a:rPr lang="en-US" smtClean="0"/>
-              <a:t>3/28/24</a:t>
+              <a:t>6/27/24</a:t>
             </a:fld>
             <a:endParaRPr lang="en-US"/>
           </a:p>
@@ -1764,7 +1764,7 @@
           <a:bodyPr/>
           <a:lstStyle/>
           <a:p>
-            <a:fld id="{1FA823EF-133B-4947-A6DC-D1A9D6E2AF53}" type="slidenum">
+            <a:fld id="{0862677F-7782-2B4C-9766-B1B982891292}" type="slidenum">
               <a:rPr lang="en-US" smtClean="0"/>
               <a:t>‹#›</a:t>
             </a:fld>
@@ -1775,7 +1775,7 @@
     </p:spTree>
     <p:extLst>
       <p:ext uri="{BB962C8B-B14F-4D97-AF65-F5344CB8AC3E}">
-        <p14:creationId xmlns:p14="http://schemas.microsoft.com/office/powerpoint/2010/main" val="3223509486"/>
+        <p14:creationId xmlns:p14="http://schemas.microsoft.com/office/powerpoint/2010/main" val="1077369342"/>
       </p:ext>
     </p:extLst>
   </p:cSld>
@@ -1817,9 +1817,9 @@
           <a:bodyPr/>
           <a:lstStyle/>
           <a:p>
-            <a:fld id="{CFC60B5F-2253-DF41-8690-61B53F1555CE}" type="datetimeFigureOut">
+            <a:fld id="{56A34C3C-A36F-F249-809C-A0018531D0A6}" type="datetimeFigureOut">
               <a:rPr lang="en-US" smtClean="0"/>
-              <a:t>3/28/24</a:t>
+              <a:t>6/27/24</a:t>
             </a:fld>
             <a:endParaRPr lang="en-US"/>
           </a:p>
@@ -1859,7 +1859,7 @@
           <a:bodyPr/>
           <a:lstStyle/>
           <a:p>
-            <a:fld id="{1FA823EF-133B-4947-A6DC-D1A9D6E2AF53}" type="slidenum">
+            <a:fld id="{0862677F-7782-2B4C-9766-B1B982891292}" type="slidenum">
               <a:rPr lang="en-US" smtClean="0"/>
               <a:t>‹#›</a:t>
             </a:fld>
@@ -1870,7 +1870,7 @@
     </p:spTree>
     <p:extLst>
       <p:ext uri="{BB962C8B-B14F-4D97-AF65-F5344CB8AC3E}">
-        <p14:creationId xmlns:p14="http://schemas.microsoft.com/office/powerpoint/2010/main" val="2785034467"/>
+        <p14:creationId xmlns:p14="http://schemas.microsoft.com/office/powerpoint/2010/main" val="2918325901"/>
       </p:ext>
     </p:extLst>
   </p:cSld>
@@ -1909,15 +1909,15 @@
         </p:nvSpPr>
         <p:spPr>
           <a:xfrm>
-            <a:off x="755809" y="512022"/>
-            <a:ext cx="3539014" cy="1792076"/>
+            <a:off x="566857" y="811953"/>
+            <a:ext cx="2654260" cy="2841837"/>
           </a:xfrm>
         </p:spPr>
         <p:txBody>
           <a:bodyPr anchor="b"/>
           <a:lstStyle>
             <a:lvl1pPr>
-              <a:defRPr sz="3584"/>
+              <a:defRPr sz="2880"/>
             </a:lvl1pPr>
           </a:lstStyle>
           <a:p>
@@ -1941,39 +1941,39 @@
         </p:nvSpPr>
         <p:spPr>
           <a:xfrm>
-            <a:off x="4664869" y="1105826"/>
-            <a:ext cx="5554980" cy="5458009"/>
+            <a:off x="3498652" y="1753596"/>
+            <a:ext cx="4166235" cy="8655197"/>
           </a:xfrm>
         </p:spPr>
         <p:txBody>
           <a:bodyPr/>
           <a:lstStyle>
             <a:lvl1pPr>
-              <a:defRPr sz="3584"/>
+              <a:defRPr sz="2880"/>
             </a:lvl1pPr>
             <a:lvl2pPr>
-              <a:defRPr sz="3136"/>
+              <a:defRPr sz="2520"/>
             </a:lvl2pPr>
             <a:lvl3pPr>
-              <a:defRPr sz="2688"/>
+              <a:defRPr sz="2160"/>
             </a:lvl3pPr>
             <a:lvl4pPr>
-              <a:defRPr sz="2240"/>
+              <a:defRPr sz="1800"/>
             </a:lvl4pPr>
             <a:lvl5pPr>
-              <a:defRPr sz="2240"/>
+              <a:defRPr sz="1800"/>
             </a:lvl5pPr>
             <a:lvl6pPr>
-              <a:defRPr sz="2240"/>
+              <a:defRPr sz="1800"/>
             </a:lvl6pPr>
             <a:lvl7pPr>
-              <a:defRPr sz="2240"/>
+              <a:defRPr sz="1800"/>
             </a:lvl7pPr>
             <a:lvl8pPr>
-              <a:defRPr sz="2240"/>
+              <a:defRPr sz="1800"/>
             </a:lvl8pPr>
             <a:lvl9pPr>
-              <a:defRPr sz="2240"/>
+              <a:defRPr sz="1800"/>
             </a:lvl9pPr>
           </a:lstStyle>
           <a:p>
@@ -2026,8 +2026,8 @@
         </p:nvSpPr>
         <p:spPr>
           <a:xfrm>
-            <a:off x="755809" y="2304097"/>
-            <a:ext cx="3539014" cy="4268626"/>
+            <a:off x="566857" y="3653790"/>
+            <a:ext cx="2654260" cy="6769098"/>
           </a:xfrm>
         </p:spPr>
         <p:txBody>
@@ -2035,39 +2035,39 @@
           <a:lstStyle>
             <a:lvl1pPr marL="0" indent="0">
               <a:buNone/>
-              <a:defRPr sz="1792"/>
+              <a:defRPr sz="1440"/>
             </a:lvl1pPr>
-            <a:lvl2pPr marL="512018" indent="0">
-              <a:buNone/>
-              <a:defRPr sz="1568"/>
+            <a:lvl2pPr marL="411480" indent="0">
+              <a:buNone/>
+              <a:defRPr sz="1260"/>
             </a:lvl2pPr>
-            <a:lvl3pPr marL="1024037" indent="0">
-              <a:buNone/>
-              <a:defRPr sz="1344"/>
+            <a:lvl3pPr marL="822960" indent="0">
+              <a:buNone/>
+              <a:defRPr sz="1080"/>
             </a:lvl3pPr>
-            <a:lvl4pPr marL="1536055" indent="0">
-              <a:buNone/>
-              <a:defRPr sz="1120"/>
+            <a:lvl4pPr marL="1234440" indent="0">
+              <a:buNone/>
+              <a:defRPr sz="900"/>
             </a:lvl4pPr>
-            <a:lvl5pPr marL="2048073" indent="0">
-              <a:buNone/>
-              <a:defRPr sz="1120"/>
+            <a:lvl5pPr marL="1645920" indent="0">
+              <a:buNone/>
+              <a:defRPr sz="900"/>
             </a:lvl5pPr>
-            <a:lvl6pPr marL="2560091" indent="0">
-              <a:buNone/>
-              <a:defRPr sz="1120"/>
+            <a:lvl6pPr marL="2057400" indent="0">
+              <a:buNone/>
+              <a:defRPr sz="900"/>
             </a:lvl6pPr>
-            <a:lvl7pPr marL="3072110" indent="0">
-              <a:buNone/>
-              <a:defRPr sz="1120"/>
+            <a:lvl7pPr marL="2468880" indent="0">
+              <a:buNone/>
+              <a:defRPr sz="900"/>
             </a:lvl7pPr>
-            <a:lvl8pPr marL="3584128" indent="0">
-              <a:buNone/>
-              <a:defRPr sz="1120"/>
+            <a:lvl8pPr marL="2880360" indent="0">
+              <a:buNone/>
+              <a:defRPr sz="900"/>
             </a:lvl8pPr>
-            <a:lvl9pPr marL="4096146" indent="0">
-              <a:buNone/>
-              <a:defRPr sz="1120"/>
+            <a:lvl9pPr marL="3291840" indent="0">
+              <a:buNone/>
+              <a:defRPr sz="900"/>
             </a:lvl9pPr>
           </a:lstStyle>
           <a:p>
@@ -2094,9 +2094,9 @@
           <a:bodyPr/>
           <a:lstStyle/>
           <a:p>
-            <a:fld id="{CFC60B5F-2253-DF41-8690-61B53F1555CE}" type="datetimeFigureOut">
+            <a:fld id="{56A34C3C-A36F-F249-809C-A0018531D0A6}" type="datetimeFigureOut">
               <a:rPr lang="en-US" smtClean="0"/>
-              <a:t>3/28/24</a:t>
+              <a:t>6/27/24</a:t>
             </a:fld>
             <a:endParaRPr lang="en-US"/>
           </a:p>
@@ -2136,7 +2136,7 @@
           <a:bodyPr/>
           <a:lstStyle/>
           <a:p>
-            <a:fld id="{1FA823EF-133B-4947-A6DC-D1A9D6E2AF53}" type="slidenum">
+            <a:fld id="{0862677F-7782-2B4C-9766-B1B982891292}" type="slidenum">
               <a:rPr lang="en-US" smtClean="0"/>
               <a:t>‹#›</a:t>
             </a:fld>
@@ -2147,7 +2147,7 @@
     </p:spTree>
     <p:extLst>
       <p:ext uri="{BB962C8B-B14F-4D97-AF65-F5344CB8AC3E}">
-        <p14:creationId xmlns:p14="http://schemas.microsoft.com/office/powerpoint/2010/main" val="3839671762"/>
+        <p14:creationId xmlns:p14="http://schemas.microsoft.com/office/powerpoint/2010/main" val="2715722409"/>
       </p:ext>
     </p:extLst>
   </p:cSld>
@@ -2186,15 +2186,15 @@
         </p:nvSpPr>
         <p:spPr>
           <a:xfrm>
-            <a:off x="755809" y="512022"/>
-            <a:ext cx="3539014" cy="1792076"/>
+            <a:off x="566857" y="811953"/>
+            <a:ext cx="2654260" cy="2841837"/>
           </a:xfrm>
         </p:spPr>
         <p:txBody>
           <a:bodyPr anchor="b"/>
           <a:lstStyle>
             <a:lvl1pPr>
-              <a:defRPr sz="3584"/>
+              <a:defRPr sz="2880"/>
             </a:lvl1pPr>
           </a:lstStyle>
           <a:p>
@@ -2218,8 +2218,8 @@
         </p:nvSpPr>
         <p:spPr>
           <a:xfrm>
-            <a:off x="4664869" y="1105826"/>
-            <a:ext cx="5554980" cy="5458009"/>
+            <a:off x="3498652" y="1753596"/>
+            <a:ext cx="4166235" cy="8655197"/>
           </a:xfrm>
         </p:spPr>
         <p:txBody>
@@ -2227,39 +2227,39 @@
           <a:lstStyle>
             <a:lvl1pPr marL="0" indent="0">
               <a:buNone/>
-              <a:defRPr sz="3584"/>
+              <a:defRPr sz="2880"/>
             </a:lvl1pPr>
-            <a:lvl2pPr marL="512018" indent="0">
-              <a:buNone/>
-              <a:defRPr sz="3136"/>
+            <a:lvl2pPr marL="411480" indent="0">
+              <a:buNone/>
+              <a:defRPr sz="2520"/>
             </a:lvl2pPr>
-            <a:lvl3pPr marL="1024037" indent="0">
-              <a:buNone/>
-              <a:defRPr sz="2688"/>
+            <a:lvl3pPr marL="822960" indent="0">
+              <a:buNone/>
+              <a:defRPr sz="2160"/>
             </a:lvl3pPr>
-            <a:lvl4pPr marL="1536055" indent="0">
-              <a:buNone/>
-              <a:defRPr sz="2240"/>
+            <a:lvl4pPr marL="1234440" indent="0">
+              <a:buNone/>
+              <a:defRPr sz="1800"/>
             </a:lvl4pPr>
-            <a:lvl5pPr marL="2048073" indent="0">
-              <a:buNone/>
-              <a:defRPr sz="2240"/>
+            <a:lvl5pPr marL="1645920" indent="0">
+              <a:buNone/>
+              <a:defRPr sz="1800"/>
             </a:lvl5pPr>
-            <a:lvl6pPr marL="2560091" indent="0">
-              <a:buNone/>
-              <a:defRPr sz="2240"/>
+            <a:lvl6pPr marL="2057400" indent="0">
+              <a:buNone/>
+              <a:defRPr sz="1800"/>
             </a:lvl6pPr>
-            <a:lvl7pPr marL="3072110" indent="0">
-              <a:buNone/>
-              <a:defRPr sz="2240"/>
+            <a:lvl7pPr marL="2468880" indent="0">
+              <a:buNone/>
+              <a:defRPr sz="1800"/>
             </a:lvl7pPr>
-            <a:lvl8pPr marL="3584128" indent="0">
-              <a:buNone/>
-              <a:defRPr sz="2240"/>
+            <a:lvl8pPr marL="2880360" indent="0">
+              <a:buNone/>
+              <a:defRPr sz="1800"/>
             </a:lvl8pPr>
-            <a:lvl9pPr marL="4096146" indent="0">
-              <a:buNone/>
-              <a:defRPr sz="2240"/>
+            <a:lvl9pPr marL="3291840" indent="0">
+              <a:buNone/>
+              <a:defRPr sz="1800"/>
             </a:lvl9pPr>
           </a:lstStyle>
           <a:p>
@@ -2283,8 +2283,8 @@
         </p:nvSpPr>
         <p:spPr>
           <a:xfrm>
-            <a:off x="755809" y="2304097"/>
-            <a:ext cx="3539014" cy="4268626"/>
+            <a:off x="566857" y="3653790"/>
+            <a:ext cx="2654260" cy="6769098"/>
           </a:xfrm>
         </p:spPr>
         <p:txBody>
@@ -2292,39 +2292,39 @@
           <a:lstStyle>
             <a:lvl1pPr marL="0" indent="0">
               <a:buNone/>
-              <a:defRPr sz="1792"/>
+              <a:defRPr sz="1440"/>
             </a:lvl1pPr>
-            <a:lvl2pPr marL="512018" indent="0">
-              <a:buNone/>
-              <a:defRPr sz="1568"/>
+            <a:lvl2pPr marL="411480" indent="0">
+              <a:buNone/>
+              <a:defRPr sz="1260"/>
             </a:lvl2pPr>
-            <a:lvl3pPr marL="1024037" indent="0">
-              <a:buNone/>
-              <a:defRPr sz="1344"/>
+            <a:lvl3pPr marL="822960" indent="0">
+              <a:buNone/>
+              <a:defRPr sz="1080"/>
             </a:lvl3pPr>
-            <a:lvl4pPr marL="1536055" indent="0">
-              <a:buNone/>
-              <a:defRPr sz="1120"/>
+            <a:lvl4pPr marL="1234440" indent="0">
+              <a:buNone/>
+              <a:defRPr sz="900"/>
             </a:lvl4pPr>
-            <a:lvl5pPr marL="2048073" indent="0">
-              <a:buNone/>
-              <a:defRPr sz="1120"/>
+            <a:lvl5pPr marL="1645920" indent="0">
+              <a:buNone/>
+              <a:defRPr sz="900"/>
             </a:lvl5pPr>
-            <a:lvl6pPr marL="2560091" indent="0">
-              <a:buNone/>
-              <a:defRPr sz="1120"/>
+            <a:lvl6pPr marL="2057400" indent="0">
+              <a:buNone/>
+              <a:defRPr sz="900"/>
             </a:lvl6pPr>
-            <a:lvl7pPr marL="3072110" indent="0">
-              <a:buNone/>
-              <a:defRPr sz="1120"/>
+            <a:lvl7pPr marL="2468880" indent="0">
+              <a:buNone/>
+              <a:defRPr sz="900"/>
             </a:lvl7pPr>
-            <a:lvl8pPr marL="3584128" indent="0">
-              <a:buNone/>
-              <a:defRPr sz="1120"/>
+            <a:lvl8pPr marL="2880360" indent="0">
+              <a:buNone/>
+              <a:defRPr sz="900"/>
             </a:lvl8pPr>
-            <a:lvl9pPr marL="4096146" indent="0">
-              <a:buNone/>
-              <a:defRPr sz="1120"/>
+            <a:lvl9pPr marL="3291840" indent="0">
+              <a:buNone/>
+              <a:defRPr sz="900"/>
             </a:lvl9pPr>
           </a:lstStyle>
           <a:p>
@@ -2351,9 +2351,9 @@
           <a:bodyPr/>
           <a:lstStyle/>
           <a:p>
-            <a:fld id="{CFC60B5F-2253-DF41-8690-61B53F1555CE}" type="datetimeFigureOut">
+            <a:fld id="{56A34C3C-A36F-F249-809C-A0018531D0A6}" type="datetimeFigureOut">
               <a:rPr lang="en-US" smtClean="0"/>
-              <a:t>3/28/24</a:t>
+              <a:t>6/27/24</a:t>
             </a:fld>
             <a:endParaRPr lang="en-US"/>
           </a:p>
@@ -2393,7 +2393,7 @@
           <a:bodyPr/>
           <a:lstStyle/>
           <a:p>
-            <a:fld id="{1FA823EF-133B-4947-A6DC-D1A9D6E2AF53}" type="slidenum">
+            <a:fld id="{0862677F-7782-2B4C-9766-B1B982891292}" type="slidenum">
               <a:rPr lang="en-US" smtClean="0"/>
               <a:t>‹#›</a:t>
             </a:fld>
@@ -2404,7 +2404,7 @@
     </p:spTree>
     <p:extLst>
       <p:ext uri="{BB962C8B-B14F-4D97-AF65-F5344CB8AC3E}">
-        <p14:creationId xmlns:p14="http://schemas.microsoft.com/office/powerpoint/2010/main" val="2696165316"/>
+        <p14:creationId xmlns:p14="http://schemas.microsoft.com/office/powerpoint/2010/main" val="2211629537"/>
       </p:ext>
     </p:extLst>
   </p:cSld>
@@ -2448,8 +2448,8 @@
         </p:nvSpPr>
         <p:spPr>
           <a:xfrm>
-            <a:off x="754380" y="408908"/>
-            <a:ext cx="9464040" cy="1484508"/>
+            <a:off x="565785" y="648437"/>
+            <a:ext cx="7098030" cy="2354102"/>
           </a:xfrm>
           <a:prstGeom prst="rect">
             <a:avLst/>
@@ -2481,8 +2481,8 @@
         </p:nvSpPr>
         <p:spPr>
           <a:xfrm>
-            <a:off x="754380" y="2044531"/>
-            <a:ext cx="9464040" cy="4873096"/>
+            <a:off x="565785" y="3242175"/>
+            <a:ext cx="7098030" cy="7727654"/>
           </a:xfrm>
           <a:prstGeom prst="rect">
             <a:avLst/>
@@ -2543,8 +2543,8 @@
         </p:nvSpPr>
         <p:spPr>
           <a:xfrm>
-            <a:off x="754380" y="7118525"/>
-            <a:ext cx="2468880" cy="408906"/>
+            <a:off x="565785" y="11288409"/>
+            <a:ext cx="1851660" cy="648435"/>
           </a:xfrm>
           <a:prstGeom prst="rect">
             <a:avLst/>
@@ -2554,7 +2554,7 @@
           <a:bodyPr vert="horz" lIns="91440" tIns="45720" rIns="91440" bIns="45720" rtlCol="0" anchor="ctr"/>
           <a:lstStyle>
             <a:lvl1pPr algn="l">
-              <a:defRPr sz="1344">
+              <a:defRPr sz="1080">
                 <a:solidFill>
                   <a:schemeClr val="tx1">
                     <a:tint val="75000"/>
@@ -2564,9 +2564,9 @@
             </a:lvl1pPr>
           </a:lstStyle>
           <a:p>
-            <a:fld id="{CFC60B5F-2253-DF41-8690-61B53F1555CE}" type="datetimeFigureOut">
+            <a:fld id="{56A34C3C-A36F-F249-809C-A0018531D0A6}" type="datetimeFigureOut">
               <a:rPr lang="en-US" smtClean="0"/>
-              <a:t>3/28/24</a:t>
+              <a:t>6/27/24</a:t>
             </a:fld>
             <a:endParaRPr lang="en-US"/>
           </a:p>
@@ -2584,8 +2584,8 @@
         </p:nvSpPr>
         <p:spPr>
           <a:xfrm>
-            <a:off x="3634740" y="7118525"/>
-            <a:ext cx="3703320" cy="408906"/>
+            <a:off x="2726055" y="11288409"/>
+            <a:ext cx="2777490" cy="648435"/>
           </a:xfrm>
           <a:prstGeom prst="rect">
             <a:avLst/>
@@ -2595,7 +2595,7 @@
           <a:bodyPr vert="horz" lIns="91440" tIns="45720" rIns="91440" bIns="45720" rtlCol="0" anchor="ctr"/>
           <a:lstStyle>
             <a:lvl1pPr algn="ctr">
-              <a:defRPr sz="1344">
+              <a:defRPr sz="1080">
                 <a:solidFill>
                   <a:schemeClr val="tx1">
                     <a:tint val="75000"/>
@@ -2621,8 +2621,8 @@
         </p:nvSpPr>
         <p:spPr>
           <a:xfrm>
-            <a:off x="7749540" y="7118525"/>
-            <a:ext cx="2468880" cy="408906"/>
+            <a:off x="5812155" y="11288409"/>
+            <a:ext cx="1851660" cy="648435"/>
           </a:xfrm>
           <a:prstGeom prst="rect">
             <a:avLst/>
@@ -2632,7 +2632,7 @@
           <a:bodyPr vert="horz" lIns="91440" tIns="45720" rIns="91440" bIns="45720" rtlCol="0" anchor="ctr"/>
           <a:lstStyle>
             <a:lvl1pPr algn="r">
-              <a:defRPr sz="1344">
+              <a:defRPr sz="1080">
                 <a:solidFill>
                   <a:schemeClr val="tx1">
                     <a:tint val="75000"/>
@@ -2642,7 +2642,7 @@
             </a:lvl1pPr>
           </a:lstStyle>
           <a:p>
-            <a:fld id="{1FA823EF-133B-4947-A6DC-D1A9D6E2AF53}" type="slidenum">
+            <a:fld id="{0862677F-7782-2B4C-9766-B1B982891292}" type="slidenum">
               <a:rPr lang="en-US" smtClean="0"/>
               <a:t>‹#›</a:t>
             </a:fld>
@@ -2653,27 +2653,27 @@
     </p:spTree>
     <p:extLst>
       <p:ext uri="{BB962C8B-B14F-4D97-AF65-F5344CB8AC3E}">
-        <p14:creationId xmlns:p14="http://schemas.microsoft.com/office/powerpoint/2010/main" val="957844360"/>
+        <p14:creationId xmlns:p14="http://schemas.microsoft.com/office/powerpoint/2010/main" val="2495887393"/>
       </p:ext>
     </p:extLst>
   </p:cSld>
   <p:clrMap bg1="lt1" tx1="dk1" bg2="lt2" tx2="dk2" accent1="accent1" accent2="accent2" accent3="accent3" accent4="accent4" accent5="accent5" accent6="accent6" hlink="hlink" folHlink="folHlink"/>
   <p:sldLayoutIdLst>
-    <p:sldLayoutId id="2147483733" r:id="rId1"/>
-    <p:sldLayoutId id="2147483734" r:id="rId2"/>
-    <p:sldLayoutId id="2147483735" r:id="rId3"/>
-    <p:sldLayoutId id="2147483736" r:id="rId4"/>
-    <p:sldLayoutId id="2147483737" r:id="rId5"/>
-    <p:sldLayoutId id="2147483738" r:id="rId6"/>
-    <p:sldLayoutId id="2147483739" r:id="rId7"/>
-    <p:sldLayoutId id="2147483740" r:id="rId8"/>
-    <p:sldLayoutId id="2147483741" r:id="rId9"/>
-    <p:sldLayoutId id="2147483742" r:id="rId10"/>
-    <p:sldLayoutId id="2147483743" r:id="rId11"/>
+    <p:sldLayoutId id="2147483769" r:id="rId1"/>
+    <p:sldLayoutId id="2147483770" r:id="rId2"/>
+    <p:sldLayoutId id="2147483771" r:id="rId3"/>
+    <p:sldLayoutId id="2147483772" r:id="rId4"/>
+    <p:sldLayoutId id="2147483773" r:id="rId5"/>
+    <p:sldLayoutId id="2147483774" r:id="rId6"/>
+    <p:sldLayoutId id="2147483775" r:id="rId7"/>
+    <p:sldLayoutId id="2147483776" r:id="rId8"/>
+    <p:sldLayoutId id="2147483777" r:id="rId9"/>
+    <p:sldLayoutId id="2147483778" r:id="rId10"/>
+    <p:sldLayoutId id="2147483779" r:id="rId11"/>
   </p:sldLayoutIdLst>
   <p:txStyles>
     <p:titleStyle>
-      <a:lvl1pPr algn="l" defTabSz="1024037" rtl="0" eaLnBrk="1" latinLnBrk="0" hangingPunct="1">
+      <a:lvl1pPr algn="l" defTabSz="822960" rtl="0" eaLnBrk="1" latinLnBrk="0" hangingPunct="1">
         <a:lnSpc>
           <a:spcPct val="90000"/>
         </a:lnSpc>
@@ -2681,7 +2681,7 @@
           <a:spcPct val="0"/>
         </a:spcBef>
         <a:buNone/>
-        <a:defRPr sz="4928" kern="1200">
+        <a:defRPr sz="3960" kern="1200">
           <a:solidFill>
             <a:schemeClr val="tx1"/>
           </a:solidFill>
@@ -2692,16 +2692,16 @@
       </a:lvl1pPr>
     </p:titleStyle>
     <p:bodyStyle>
-      <a:lvl1pPr marL="256009" indent="-256009" algn="l" defTabSz="1024037" rtl="0" eaLnBrk="1" latinLnBrk="0" hangingPunct="1">
+      <a:lvl1pPr marL="205740" indent="-205740" algn="l" defTabSz="822960" rtl="0" eaLnBrk="1" latinLnBrk="0" hangingPunct="1">
         <a:lnSpc>
           <a:spcPct val="90000"/>
         </a:lnSpc>
         <a:spcBef>
-          <a:spcPts val="1120"/>
+          <a:spcPts val="900"/>
         </a:spcBef>
         <a:buFont typeface="Arial" panose="020B0604020202020204" pitchFamily="34" charset="0"/>
         <a:buChar char="•"/>
-        <a:defRPr sz="3136" kern="1200">
+        <a:defRPr sz="2520" kern="1200">
           <a:solidFill>
             <a:schemeClr val="tx1"/>
           </a:solidFill>
@@ -2710,16 +2710,16 @@
           <a:cs typeface="+mn-cs"/>
         </a:defRPr>
       </a:lvl1pPr>
-      <a:lvl2pPr marL="768027" indent="-256009" algn="l" defTabSz="1024037" rtl="0" eaLnBrk="1" latinLnBrk="0" hangingPunct="1">
+      <a:lvl2pPr marL="617220" indent="-205740" algn="l" defTabSz="822960" rtl="0" eaLnBrk="1" latinLnBrk="0" hangingPunct="1">
         <a:lnSpc>
           <a:spcPct val="90000"/>
         </a:lnSpc>
         <a:spcBef>
-          <a:spcPts val="560"/>
+          <a:spcPts val="450"/>
         </a:spcBef>
         <a:buFont typeface="Arial" panose="020B0604020202020204" pitchFamily="34" charset="0"/>
         <a:buChar char="•"/>
-        <a:defRPr sz="2688" kern="1200">
+        <a:defRPr sz="2160" kern="1200">
           <a:solidFill>
             <a:schemeClr val="tx1"/>
           </a:solidFill>
@@ -2728,16 +2728,16 @@
           <a:cs typeface="+mn-cs"/>
         </a:defRPr>
       </a:lvl2pPr>
-      <a:lvl3pPr marL="1280046" indent="-256009" algn="l" defTabSz="1024037" rtl="0" eaLnBrk="1" latinLnBrk="0" hangingPunct="1">
+      <a:lvl3pPr marL="1028700" indent="-205740" algn="l" defTabSz="822960" rtl="0" eaLnBrk="1" latinLnBrk="0" hangingPunct="1">
         <a:lnSpc>
           <a:spcPct val="90000"/>
         </a:lnSpc>
         <a:spcBef>
-          <a:spcPts val="560"/>
+          <a:spcPts val="450"/>
         </a:spcBef>
         <a:buFont typeface="Arial" panose="020B0604020202020204" pitchFamily="34" charset="0"/>
         <a:buChar char="•"/>
-        <a:defRPr sz="2240" kern="1200">
+        <a:defRPr sz="1800" kern="1200">
           <a:solidFill>
             <a:schemeClr val="tx1"/>
           </a:solidFill>
@@ -2746,16 +2746,16 @@
           <a:cs typeface="+mn-cs"/>
         </a:defRPr>
       </a:lvl3pPr>
-      <a:lvl4pPr marL="1792064" indent="-256009" algn="l" defTabSz="1024037" rtl="0" eaLnBrk="1" latinLnBrk="0" hangingPunct="1">
+      <a:lvl4pPr marL="1440180" indent="-205740" algn="l" defTabSz="822960" rtl="0" eaLnBrk="1" latinLnBrk="0" hangingPunct="1">
         <a:lnSpc>
           <a:spcPct val="90000"/>
         </a:lnSpc>
         <a:spcBef>
-          <a:spcPts val="560"/>
+          <a:spcPts val="450"/>
         </a:spcBef>
         <a:buFont typeface="Arial" panose="020B0604020202020204" pitchFamily="34" charset="0"/>
         <a:buChar char="•"/>
-        <a:defRPr sz="2016" kern="1200">
+        <a:defRPr sz="1620" kern="1200">
           <a:solidFill>
             <a:schemeClr val="tx1"/>
           </a:solidFill>
@@ -2764,16 +2764,16 @@
           <a:cs typeface="+mn-cs"/>
         </a:defRPr>
       </a:lvl4pPr>
-      <a:lvl5pPr marL="2304082" indent="-256009" algn="l" defTabSz="1024037" rtl="0" eaLnBrk="1" latinLnBrk="0" hangingPunct="1">
+      <a:lvl5pPr marL="1851660" indent="-205740" algn="l" defTabSz="822960" rtl="0" eaLnBrk="1" latinLnBrk="0" hangingPunct="1">
         <a:lnSpc>
           <a:spcPct val="90000"/>
         </a:lnSpc>
         <a:spcBef>
-          <a:spcPts val="560"/>
+          <a:spcPts val="450"/>
         </a:spcBef>
         <a:buFont typeface="Arial" panose="020B0604020202020204" pitchFamily="34" charset="0"/>
         <a:buChar char="•"/>
-        <a:defRPr sz="2016" kern="1200">
+        <a:defRPr sz="1620" kern="1200">
           <a:solidFill>
             <a:schemeClr val="tx1"/>
           </a:solidFill>
@@ -2782,16 +2782,16 @@
           <a:cs typeface="+mn-cs"/>
         </a:defRPr>
       </a:lvl5pPr>
-      <a:lvl6pPr marL="2816101" indent="-256009" algn="l" defTabSz="1024037" rtl="0" eaLnBrk="1" latinLnBrk="0" hangingPunct="1">
+      <a:lvl6pPr marL="2263140" indent="-205740" algn="l" defTabSz="822960" rtl="0" eaLnBrk="1" latinLnBrk="0" hangingPunct="1">
         <a:lnSpc>
           <a:spcPct val="90000"/>
         </a:lnSpc>
         <a:spcBef>
-          <a:spcPts val="560"/>
+          <a:spcPts val="450"/>
         </a:spcBef>
         <a:buFont typeface="Arial" panose="020B0604020202020204" pitchFamily="34" charset="0"/>
         <a:buChar char="•"/>
-        <a:defRPr sz="2016" kern="1200">
+        <a:defRPr sz="1620" kern="1200">
           <a:solidFill>
             <a:schemeClr val="tx1"/>
           </a:solidFill>
@@ -2800,16 +2800,16 @@
           <a:cs typeface="+mn-cs"/>
         </a:defRPr>
       </a:lvl6pPr>
-      <a:lvl7pPr marL="3328119" indent="-256009" algn="l" defTabSz="1024037" rtl="0" eaLnBrk="1" latinLnBrk="0" hangingPunct="1">
+      <a:lvl7pPr marL="2674620" indent="-205740" algn="l" defTabSz="822960" rtl="0" eaLnBrk="1" latinLnBrk="0" hangingPunct="1">
         <a:lnSpc>
           <a:spcPct val="90000"/>
         </a:lnSpc>
         <a:spcBef>
-          <a:spcPts val="560"/>
+          <a:spcPts val="450"/>
         </a:spcBef>
         <a:buFont typeface="Arial" panose="020B0604020202020204" pitchFamily="34" charset="0"/>
         <a:buChar char="•"/>
-        <a:defRPr sz="2016" kern="1200">
+        <a:defRPr sz="1620" kern="1200">
           <a:solidFill>
             <a:schemeClr val="tx1"/>
           </a:solidFill>
@@ -2818,16 +2818,16 @@
           <a:cs typeface="+mn-cs"/>
         </a:defRPr>
       </a:lvl7pPr>
-      <a:lvl8pPr marL="3840137" indent="-256009" algn="l" defTabSz="1024037" rtl="0" eaLnBrk="1" latinLnBrk="0" hangingPunct="1">
+      <a:lvl8pPr marL="3086100" indent="-205740" algn="l" defTabSz="822960" rtl="0" eaLnBrk="1" latinLnBrk="0" hangingPunct="1">
         <a:lnSpc>
           <a:spcPct val="90000"/>
         </a:lnSpc>
         <a:spcBef>
-          <a:spcPts val="560"/>
+          <a:spcPts val="450"/>
         </a:spcBef>
         <a:buFont typeface="Arial" panose="020B0604020202020204" pitchFamily="34" charset="0"/>
         <a:buChar char="•"/>
-        <a:defRPr sz="2016" kern="1200">
+        <a:defRPr sz="1620" kern="1200">
           <a:solidFill>
             <a:schemeClr val="tx1"/>
           </a:solidFill>
@@ -2836,16 +2836,16 @@
           <a:cs typeface="+mn-cs"/>
         </a:defRPr>
       </a:lvl8pPr>
-      <a:lvl9pPr marL="4352155" indent="-256009" algn="l" defTabSz="1024037" rtl="0" eaLnBrk="1" latinLnBrk="0" hangingPunct="1">
+      <a:lvl9pPr marL="3497580" indent="-205740" algn="l" defTabSz="822960" rtl="0" eaLnBrk="1" latinLnBrk="0" hangingPunct="1">
         <a:lnSpc>
           <a:spcPct val="90000"/>
         </a:lnSpc>
         <a:spcBef>
-          <a:spcPts val="560"/>
+          <a:spcPts val="450"/>
         </a:spcBef>
         <a:buFont typeface="Arial" panose="020B0604020202020204" pitchFamily="34" charset="0"/>
         <a:buChar char="•"/>
-        <a:defRPr sz="2016" kern="1200">
+        <a:defRPr sz="1620" kern="1200">
           <a:solidFill>
             <a:schemeClr val="tx1"/>
           </a:solidFill>
@@ -2859,8 +2859,8 @@
       <a:defPPr>
         <a:defRPr lang="en-US"/>
       </a:defPPr>
-      <a:lvl1pPr marL="0" algn="l" defTabSz="1024037" rtl="0" eaLnBrk="1" latinLnBrk="0" hangingPunct="1">
-        <a:defRPr sz="2016" kern="1200">
+      <a:lvl1pPr marL="0" algn="l" defTabSz="822960" rtl="0" eaLnBrk="1" latinLnBrk="0" hangingPunct="1">
+        <a:defRPr sz="1620" kern="1200">
           <a:solidFill>
             <a:schemeClr val="tx1"/>
           </a:solidFill>
@@ -2869,8 +2869,8 @@
           <a:cs typeface="+mn-cs"/>
         </a:defRPr>
       </a:lvl1pPr>
-      <a:lvl2pPr marL="512018" algn="l" defTabSz="1024037" rtl="0" eaLnBrk="1" latinLnBrk="0" hangingPunct="1">
-        <a:defRPr sz="2016" kern="1200">
+      <a:lvl2pPr marL="411480" algn="l" defTabSz="822960" rtl="0" eaLnBrk="1" latinLnBrk="0" hangingPunct="1">
+        <a:defRPr sz="1620" kern="1200">
           <a:solidFill>
             <a:schemeClr val="tx1"/>
           </a:solidFill>
@@ -2879,8 +2879,8 @@
           <a:cs typeface="+mn-cs"/>
         </a:defRPr>
       </a:lvl2pPr>
-      <a:lvl3pPr marL="1024037" algn="l" defTabSz="1024037" rtl="0" eaLnBrk="1" latinLnBrk="0" hangingPunct="1">
-        <a:defRPr sz="2016" kern="1200">
+      <a:lvl3pPr marL="822960" algn="l" defTabSz="822960" rtl="0" eaLnBrk="1" latinLnBrk="0" hangingPunct="1">
+        <a:defRPr sz="1620" kern="1200">
           <a:solidFill>
             <a:schemeClr val="tx1"/>
           </a:solidFill>
@@ -2889,8 +2889,8 @@
           <a:cs typeface="+mn-cs"/>
         </a:defRPr>
       </a:lvl3pPr>
-      <a:lvl4pPr marL="1536055" algn="l" defTabSz="1024037" rtl="0" eaLnBrk="1" latinLnBrk="0" hangingPunct="1">
-        <a:defRPr sz="2016" kern="1200">
+      <a:lvl4pPr marL="1234440" algn="l" defTabSz="822960" rtl="0" eaLnBrk="1" latinLnBrk="0" hangingPunct="1">
+        <a:defRPr sz="1620" kern="1200">
           <a:solidFill>
             <a:schemeClr val="tx1"/>
           </a:solidFill>
@@ -2899,8 +2899,8 @@
           <a:cs typeface="+mn-cs"/>
         </a:defRPr>
       </a:lvl4pPr>
-      <a:lvl5pPr marL="2048073" algn="l" defTabSz="1024037" rtl="0" eaLnBrk="1" latinLnBrk="0" hangingPunct="1">
-        <a:defRPr sz="2016" kern="1200">
+      <a:lvl5pPr marL="1645920" algn="l" defTabSz="822960" rtl="0" eaLnBrk="1" latinLnBrk="0" hangingPunct="1">
+        <a:defRPr sz="1620" kern="1200">
           <a:solidFill>
             <a:schemeClr val="tx1"/>
           </a:solidFill>
@@ -2909,8 +2909,8 @@
           <a:cs typeface="+mn-cs"/>
         </a:defRPr>
       </a:lvl5pPr>
-      <a:lvl6pPr marL="2560091" algn="l" defTabSz="1024037" rtl="0" eaLnBrk="1" latinLnBrk="0" hangingPunct="1">
-        <a:defRPr sz="2016" kern="1200">
+      <a:lvl6pPr marL="2057400" algn="l" defTabSz="822960" rtl="0" eaLnBrk="1" latinLnBrk="0" hangingPunct="1">
+        <a:defRPr sz="1620" kern="1200">
           <a:solidFill>
             <a:schemeClr val="tx1"/>
           </a:solidFill>
@@ -2919,8 +2919,8 @@
           <a:cs typeface="+mn-cs"/>
         </a:defRPr>
       </a:lvl6pPr>
-      <a:lvl7pPr marL="3072110" algn="l" defTabSz="1024037" rtl="0" eaLnBrk="1" latinLnBrk="0" hangingPunct="1">
-        <a:defRPr sz="2016" kern="1200">
+      <a:lvl7pPr marL="2468880" algn="l" defTabSz="822960" rtl="0" eaLnBrk="1" latinLnBrk="0" hangingPunct="1">
+        <a:defRPr sz="1620" kern="1200">
           <a:solidFill>
             <a:schemeClr val="tx1"/>
           </a:solidFill>
@@ -2929,8 +2929,8 @@
           <a:cs typeface="+mn-cs"/>
         </a:defRPr>
       </a:lvl7pPr>
-      <a:lvl8pPr marL="3584128" algn="l" defTabSz="1024037" rtl="0" eaLnBrk="1" latinLnBrk="0" hangingPunct="1">
-        <a:defRPr sz="2016" kern="1200">
+      <a:lvl8pPr marL="2880360" algn="l" defTabSz="822960" rtl="0" eaLnBrk="1" latinLnBrk="0" hangingPunct="1">
+        <a:defRPr sz="1620" kern="1200">
           <a:solidFill>
             <a:schemeClr val="tx1"/>
           </a:solidFill>
@@ -2939,8 +2939,8 @@
           <a:cs typeface="+mn-cs"/>
         </a:defRPr>
       </a:lvl8pPr>
-      <a:lvl9pPr marL="4096146" algn="l" defTabSz="1024037" rtl="0" eaLnBrk="1" latinLnBrk="0" hangingPunct="1">
-        <a:defRPr sz="2016" kern="1200">
+      <a:lvl9pPr marL="3291840" algn="l" defTabSz="822960" rtl="0" eaLnBrk="1" latinLnBrk="0" hangingPunct="1">
+        <a:defRPr sz="1620" kern="1200">
           <a:solidFill>
             <a:schemeClr val="tx1"/>
           </a:solidFill>
@@ -2973,10 +2973,10 @@
       </p:grpSpPr>
       <p:pic>
         <p:nvPicPr>
-          <p:cNvPr id="10" name="Picture 9">
+          <p:cNvPr id="12" name="Picture 11">
             <a:extLst>
               <a:ext uri="{FF2B5EF4-FFF2-40B4-BE49-F238E27FC236}">
-                <a16:creationId xmlns:a16="http://schemas.microsoft.com/office/drawing/2014/main" id="{190197F2-948C-CC79-D7C6-34CCAE6D8A2A}"/>
+                <a16:creationId xmlns:a16="http://schemas.microsoft.com/office/drawing/2014/main" id="{A667DCA0-F5E4-FEAC-43C2-E479808131FE}"/>
               </a:ext>
             </a:extLst>
           </p:cNvPr>
@@ -2993,8 +2993,8 @@
         </p:blipFill>
         <p:spPr>
           <a:xfrm>
-            <a:off x="5486400" y="273844"/>
-            <a:ext cx="5486400" cy="3657600"/>
+            <a:off x="457200" y="0"/>
+            <a:ext cx="7772400" cy="2032438"/>
           </a:xfrm>
           <a:prstGeom prst="rect">
             <a:avLst/>
@@ -3003,10 +3003,10 @@
       </p:pic>
       <p:pic>
         <p:nvPicPr>
-          <p:cNvPr id="12" name="Picture 11">
+          <p:cNvPr id="16" name="Picture 15">
             <a:extLst>
               <a:ext uri="{FF2B5EF4-FFF2-40B4-BE49-F238E27FC236}">
-                <a16:creationId xmlns:a16="http://schemas.microsoft.com/office/drawing/2014/main" id="{19B78A2E-9658-E5F1-FB4C-A8F4E4FB8335}"/>
+                <a16:creationId xmlns:a16="http://schemas.microsoft.com/office/drawing/2014/main" id="{EC230FFB-9977-B519-C178-6B44A91FA23E}"/>
               </a:ext>
             </a:extLst>
           </p:cNvPr>
@@ -3023,8 +3023,8 @@
         </p:blipFill>
         <p:spPr>
           <a:xfrm>
-            <a:off x="0" y="273844"/>
-            <a:ext cx="5486400" cy="3657600"/>
+            <a:off x="457200" y="2017110"/>
+            <a:ext cx="7772400" cy="2032438"/>
           </a:xfrm>
           <a:prstGeom prst="rect">
             <a:avLst/>
@@ -3033,10 +3033,10 @@
       </p:pic>
       <p:pic>
         <p:nvPicPr>
-          <p:cNvPr id="3" name="Picture 2">
+          <p:cNvPr id="20" name="Picture 19">
             <a:extLst>
               <a:ext uri="{FF2B5EF4-FFF2-40B4-BE49-F238E27FC236}">
-                <a16:creationId xmlns:a16="http://schemas.microsoft.com/office/drawing/2014/main" id="{65D7A439-777D-021B-9D29-1CAEEBCD2A24}"/>
+                <a16:creationId xmlns:a16="http://schemas.microsoft.com/office/drawing/2014/main" id="{E5939489-069D-2917-0E79-7D7D849D67BE}"/>
               </a:ext>
             </a:extLst>
           </p:cNvPr>
@@ -3053,8 +3053,8 @@
         </p:blipFill>
         <p:spPr>
           <a:xfrm>
-            <a:off x="0" y="4022725"/>
-            <a:ext cx="5486400" cy="3657600"/>
+            <a:off x="457200" y="4049548"/>
+            <a:ext cx="7772400" cy="2032438"/>
           </a:xfrm>
           <a:prstGeom prst="rect">
             <a:avLst/>
@@ -3063,10 +3063,10 @@
       </p:pic>
       <p:pic>
         <p:nvPicPr>
-          <p:cNvPr id="5" name="Picture 4">
+          <p:cNvPr id="24" name="Picture 23">
             <a:extLst>
               <a:ext uri="{FF2B5EF4-FFF2-40B4-BE49-F238E27FC236}">
-                <a16:creationId xmlns:a16="http://schemas.microsoft.com/office/drawing/2014/main" id="{BBEE5DAB-565B-BD68-49BF-6E7990548F57}"/>
+                <a16:creationId xmlns:a16="http://schemas.microsoft.com/office/drawing/2014/main" id="{8D6CEB8B-1DBB-5664-7E42-69801C4CBFAB}"/>
               </a:ext>
             </a:extLst>
           </p:cNvPr>
@@ -3083,20 +3083,80 @@
         </p:blipFill>
         <p:spPr>
           <a:xfrm>
-            <a:off x="5486400" y="4022725"/>
-            <a:ext cx="5486400" cy="3657600"/>
+            <a:off x="457200" y="6066658"/>
+            <a:ext cx="7772400" cy="2032438"/>
           </a:xfrm>
           <a:prstGeom prst="rect">
             <a:avLst/>
           </a:prstGeom>
         </p:spPr>
       </p:pic>
-      <p:sp>
-        <p:nvSpPr>
-          <p:cNvPr id="6" name="Rectangle 5">
+      <p:pic>
+        <p:nvPicPr>
+          <p:cNvPr id="34" name="Picture 33">
             <a:extLst>
               <a:ext uri="{FF2B5EF4-FFF2-40B4-BE49-F238E27FC236}">
-                <a16:creationId xmlns:a16="http://schemas.microsoft.com/office/drawing/2014/main" id="{6265FDFF-BD4E-8615-A04D-8FC78AE27F50}"/>
+                <a16:creationId xmlns:a16="http://schemas.microsoft.com/office/drawing/2014/main" id="{348DDB14-6F32-2325-4499-FAA1C3C1B866}"/>
+              </a:ext>
+            </a:extLst>
+          </p:cNvPr>
+          <p:cNvPicPr>
+            <a:picLocks noChangeAspect="1"/>
+          </p:cNvPicPr>
+          <p:nvPr/>
+        </p:nvPicPr>
+        <p:blipFill>
+          <a:blip r:embed="rId6"/>
+          <a:stretch>
+            <a:fillRect/>
+          </a:stretch>
+        </p:blipFill>
+        <p:spPr>
+          <a:xfrm>
+            <a:off x="457200" y="8106760"/>
+            <a:ext cx="7772400" cy="2032438"/>
+          </a:xfrm>
+          <a:prstGeom prst="rect">
+            <a:avLst/>
+          </a:prstGeom>
+        </p:spPr>
+      </p:pic>
+      <p:pic>
+        <p:nvPicPr>
+          <p:cNvPr id="36" name="Picture 35">
+            <a:extLst>
+              <a:ext uri="{FF2B5EF4-FFF2-40B4-BE49-F238E27FC236}">
+                <a16:creationId xmlns:a16="http://schemas.microsoft.com/office/drawing/2014/main" id="{2BAEE065-F3BF-59D3-6A73-5FEB62C46186}"/>
+              </a:ext>
+            </a:extLst>
+          </p:cNvPr>
+          <p:cNvPicPr>
+            <a:picLocks noChangeAspect="1"/>
+          </p:cNvPicPr>
+          <p:nvPr/>
+        </p:nvPicPr>
+        <p:blipFill>
+          <a:blip r:embed="rId7"/>
+          <a:stretch>
+            <a:fillRect/>
+          </a:stretch>
+        </p:blipFill>
+        <p:spPr>
+          <a:xfrm>
+            <a:off x="457200" y="10139198"/>
+            <a:ext cx="7772400" cy="2032438"/>
+          </a:xfrm>
+          <a:prstGeom prst="rect">
+            <a:avLst/>
+          </a:prstGeom>
+        </p:spPr>
+      </p:pic>
+      <p:sp>
+        <p:nvSpPr>
+          <p:cNvPr id="37" name="Rectangle 36">
+            <a:extLst>
+              <a:ext uri="{FF2B5EF4-FFF2-40B4-BE49-F238E27FC236}">
+                <a16:creationId xmlns:a16="http://schemas.microsoft.com/office/drawing/2014/main" id="{4F39691E-AE68-E32B-F87B-AE96F3467A65}"/>
               </a:ext>
             </a:extLst>
           </p:cNvPr>
@@ -3105,8 +3165,8 @@
         </p:nvSpPr>
         <p:spPr>
           <a:xfrm>
-            <a:off x="6355644" y="4271083"/>
-            <a:ext cx="1016000" cy="1286933"/>
+            <a:off x="935595" y="2198193"/>
+            <a:ext cx="381504" cy="272504"/>
           </a:xfrm>
           <a:prstGeom prst="rect">
             <a:avLst/>
@@ -3145,14 +3205,230 @@
           </a:p>
         </p:txBody>
       </p:sp>
+      <p:sp>
+        <p:nvSpPr>
+          <p:cNvPr id="38" name="Rectangle 37">
+            <a:extLst>
+              <a:ext uri="{FF2B5EF4-FFF2-40B4-BE49-F238E27FC236}">
+                <a16:creationId xmlns:a16="http://schemas.microsoft.com/office/drawing/2014/main" id="{51FAF800-FAD4-F8AE-C359-35599A9EDC3E}"/>
+              </a:ext>
+            </a:extLst>
+          </p:cNvPr>
+          <p:cNvSpPr/>
+          <p:nvPr/>
+        </p:nvSpPr>
+        <p:spPr>
+          <a:xfrm>
+            <a:off x="935595" y="4539470"/>
+            <a:ext cx="381504" cy="272504"/>
+          </a:xfrm>
+          <a:prstGeom prst="rect">
+            <a:avLst/>
+          </a:prstGeom>
+          <a:solidFill>
+            <a:schemeClr val="bg1"/>
+          </a:solidFill>
+          <a:ln>
+            <a:solidFill>
+              <a:schemeClr val="bg1"/>
+            </a:solidFill>
+          </a:ln>
+        </p:spPr>
+        <p:style>
+          <a:lnRef idx="2">
+            <a:schemeClr val="accent1">
+              <a:shade val="15000"/>
+            </a:schemeClr>
+          </a:lnRef>
+          <a:fillRef idx="1">
+            <a:schemeClr val="accent1"/>
+          </a:fillRef>
+          <a:effectRef idx="0">
+            <a:schemeClr val="accent1"/>
+          </a:effectRef>
+          <a:fontRef idx="minor">
+            <a:schemeClr val="lt1"/>
+          </a:fontRef>
+        </p:style>
+        <p:txBody>
+          <a:bodyPr rtlCol="0" anchor="ctr"/>
+          <a:lstStyle/>
+          <a:p>
+            <a:pPr algn="ctr"/>
+            <a:endParaRPr lang="en-US"/>
+          </a:p>
+        </p:txBody>
+      </p:sp>
+      <p:sp>
+        <p:nvSpPr>
+          <p:cNvPr id="39" name="Rectangle 38">
+            <a:extLst>
+              <a:ext uri="{FF2B5EF4-FFF2-40B4-BE49-F238E27FC236}">
+                <a16:creationId xmlns:a16="http://schemas.microsoft.com/office/drawing/2014/main" id="{24CA59A7-20CC-0D9F-B70E-D8F4191FBD04}"/>
+              </a:ext>
+            </a:extLst>
+          </p:cNvPr>
+          <p:cNvSpPr/>
+          <p:nvPr/>
+        </p:nvSpPr>
+        <p:spPr>
+          <a:xfrm>
+            <a:off x="935595" y="6248167"/>
+            <a:ext cx="381504" cy="272504"/>
+          </a:xfrm>
+          <a:prstGeom prst="rect">
+            <a:avLst/>
+          </a:prstGeom>
+          <a:solidFill>
+            <a:schemeClr val="bg1"/>
+          </a:solidFill>
+          <a:ln>
+            <a:solidFill>
+              <a:schemeClr val="bg1"/>
+            </a:solidFill>
+          </a:ln>
+        </p:spPr>
+        <p:style>
+          <a:lnRef idx="2">
+            <a:schemeClr val="accent1">
+              <a:shade val="15000"/>
+            </a:schemeClr>
+          </a:lnRef>
+          <a:fillRef idx="1">
+            <a:schemeClr val="accent1"/>
+          </a:fillRef>
+          <a:effectRef idx="0">
+            <a:schemeClr val="accent1"/>
+          </a:effectRef>
+          <a:fontRef idx="minor">
+            <a:schemeClr val="lt1"/>
+          </a:fontRef>
+        </p:style>
+        <p:txBody>
+          <a:bodyPr rtlCol="0" anchor="ctr"/>
+          <a:lstStyle/>
+          <a:p>
+            <a:pPr algn="ctr"/>
+            <a:endParaRPr lang="en-US"/>
+          </a:p>
+        </p:txBody>
+      </p:sp>
+      <p:sp>
+        <p:nvSpPr>
+          <p:cNvPr id="40" name="Rectangle 39">
+            <a:extLst>
+              <a:ext uri="{FF2B5EF4-FFF2-40B4-BE49-F238E27FC236}">
+                <a16:creationId xmlns:a16="http://schemas.microsoft.com/office/drawing/2014/main" id="{D47B56B5-E5AA-9138-A837-1212C8911BAA}"/>
+              </a:ext>
+            </a:extLst>
+          </p:cNvPr>
+          <p:cNvSpPr/>
+          <p:nvPr/>
+        </p:nvSpPr>
+        <p:spPr>
+          <a:xfrm>
+            <a:off x="935595" y="8276147"/>
+            <a:ext cx="381504" cy="272504"/>
+          </a:xfrm>
+          <a:prstGeom prst="rect">
+            <a:avLst/>
+          </a:prstGeom>
+          <a:solidFill>
+            <a:schemeClr val="bg1"/>
+          </a:solidFill>
+          <a:ln>
+            <a:solidFill>
+              <a:schemeClr val="bg1"/>
+            </a:solidFill>
+          </a:ln>
+        </p:spPr>
+        <p:style>
+          <a:lnRef idx="2">
+            <a:schemeClr val="accent1">
+              <a:shade val="15000"/>
+            </a:schemeClr>
+          </a:lnRef>
+          <a:fillRef idx="1">
+            <a:schemeClr val="accent1"/>
+          </a:fillRef>
+          <a:effectRef idx="0">
+            <a:schemeClr val="accent1"/>
+          </a:effectRef>
+          <a:fontRef idx="minor">
+            <a:schemeClr val="lt1"/>
+          </a:fontRef>
+        </p:style>
+        <p:txBody>
+          <a:bodyPr rtlCol="0" anchor="ctr"/>
+          <a:lstStyle/>
+          <a:p>
+            <a:pPr algn="ctr"/>
+            <a:endParaRPr lang="en-US"/>
+          </a:p>
+        </p:txBody>
+      </p:sp>
+      <p:sp>
+        <p:nvSpPr>
+          <p:cNvPr id="42" name="Rectangle 41">
+            <a:extLst>
+              <a:ext uri="{FF2B5EF4-FFF2-40B4-BE49-F238E27FC236}">
+                <a16:creationId xmlns:a16="http://schemas.microsoft.com/office/drawing/2014/main" id="{1E392E38-4D61-EB0E-41F6-AF8740AF8919}"/>
+              </a:ext>
+            </a:extLst>
+          </p:cNvPr>
+          <p:cNvSpPr/>
+          <p:nvPr/>
+        </p:nvSpPr>
+        <p:spPr>
+          <a:xfrm>
+            <a:off x="935595" y="10308585"/>
+            <a:ext cx="381504" cy="272504"/>
+          </a:xfrm>
+          <a:prstGeom prst="rect">
+            <a:avLst/>
+          </a:prstGeom>
+          <a:solidFill>
+            <a:schemeClr val="bg1"/>
+          </a:solidFill>
+          <a:ln>
+            <a:solidFill>
+              <a:schemeClr val="bg1"/>
+            </a:solidFill>
+          </a:ln>
+        </p:spPr>
+        <p:style>
+          <a:lnRef idx="2">
+            <a:schemeClr val="accent1">
+              <a:shade val="15000"/>
+            </a:schemeClr>
+          </a:lnRef>
+          <a:fillRef idx="1">
+            <a:schemeClr val="accent1"/>
+          </a:fillRef>
+          <a:effectRef idx="0">
+            <a:schemeClr val="accent1"/>
+          </a:effectRef>
+          <a:fontRef idx="minor">
+            <a:schemeClr val="lt1"/>
+          </a:fontRef>
+        </p:style>
+        <p:txBody>
+          <a:bodyPr rtlCol="0" anchor="ctr"/>
+          <a:lstStyle/>
+          <a:p>
+            <a:pPr algn="ctr"/>
+            <a:endParaRPr lang="en-US"/>
+          </a:p>
+        </p:txBody>
+      </p:sp>
       <mc:AlternateContent xmlns:mc="http://schemas.openxmlformats.org/markup-compatibility/2006">
         <mc:Choice xmlns:a14="http://schemas.microsoft.com/office/drawing/2010/main" Requires="a14">
           <p:sp>
             <p:nvSpPr>
-              <p:cNvPr id="2" name="TextBox 1">
+              <p:cNvPr id="43" name="TextBox 42">
                 <a:extLst>
                   <a:ext uri="{FF2B5EF4-FFF2-40B4-BE49-F238E27FC236}">
-                    <a16:creationId xmlns:a16="http://schemas.microsoft.com/office/drawing/2014/main" id="{EC90E087-6E5F-99B6-9628-FD23273BEEC0}"/>
+                    <a16:creationId xmlns:a16="http://schemas.microsoft.com/office/drawing/2014/main" id="{E88349D4-A088-D228-03D0-6E8395C5AF30}"/>
                   </a:ext>
                 </a:extLst>
               </p:cNvPr>
@@ -3160,9 +3436,9 @@
               <p:nvPr/>
             </p:nvSpPr>
             <p:spPr>
-              <a:xfrm>
-                <a:off x="4147799" y="2616161"/>
-                <a:ext cx="1142813" cy="646331"/>
+              <a:xfrm rot="16200000">
+                <a:off x="-823889" y="823889"/>
+                <a:ext cx="2017110" cy="369332"/>
               </a:xfrm>
               <a:prstGeom prst="rect">
                 <a:avLst/>
@@ -3170,124 +3446,62 @@
               <a:noFill/>
             </p:spPr>
             <p:txBody>
-              <a:bodyPr wrap="none" rtlCol="0">
+              <a:bodyPr wrap="square" rtlCol="0">
                 <a:spAutoFit/>
               </a:bodyPr>
               <a:lstStyle/>
               <a:p>
-                <a:pPr algn="r"/>
+                <a:pPr algn="ctr"/>
+                <a:r>
+                  <a:rPr lang="en-US" b="1" dirty="0">
+                    <a:latin typeface="Arial" panose="020B0604020202020204" pitchFamily="34" charset="0"/>
+                    <a:cs typeface="Arial" panose="020B0604020202020204" pitchFamily="34" charset="0"/>
+                  </a:rPr>
+                  <a:t>aDDM </a:t>
+                </a:r>
                 <a14:m>
-                  <m:oMathPara xmlns:m="http://schemas.openxmlformats.org/officeDocument/2006/math">
-                    <m:oMathParaPr>
-                      <m:jc m:val="right"/>
-                    </m:oMathParaPr>
-                    <m:oMath xmlns:m="http://schemas.openxmlformats.org/officeDocument/2006/math">
-                      <m:r>
-                        <a:rPr lang="en-US" b="0" i="1" smtClean="0">
-                          <a:solidFill>
-                            <a:srgbClr val="CD0000"/>
-                          </a:solidFill>
-                          <a:latin typeface="Cambria Math" panose="02040503050406030204" pitchFamily="18" charset="0"/>
-                        </a:rPr>
-                        <m:t>𝜃</m:t>
-                      </m:r>
-                      <m:r>
-                        <a:rPr lang="en-US" b="0" i="1" smtClean="0">
-                          <a:solidFill>
-                            <a:srgbClr val="CD0000"/>
-                          </a:solidFill>
-                          <a:latin typeface="Cambria Math" panose="02040503050406030204" pitchFamily="18" charset="0"/>
-                        </a:rPr>
-                        <m:t>∈</m:t>
-                      </m:r>
-                      <m:d>
-                        <m:dPr>
-                          <m:ctrlPr>
-                            <a:rPr lang="en-US" b="0" i="1" smtClean="0">
-                              <a:solidFill>
-                                <a:srgbClr val="CD0000"/>
-                              </a:solidFill>
-                              <a:latin typeface="Cambria Math" panose="02040503050406030204" pitchFamily="18" charset="0"/>
-                            </a:rPr>
-                          </m:ctrlPr>
-                        </m:dPr>
-                        <m:e>
-                          <m:r>
-                            <a:rPr lang="en-US" b="0" i="1" smtClean="0">
-                              <a:solidFill>
-                                <a:srgbClr val="CD0000"/>
-                              </a:solidFill>
-                              <a:latin typeface="Cambria Math" panose="02040503050406030204" pitchFamily="18" charset="0"/>
-                            </a:rPr>
-                            <m:t>0,1</m:t>
-                          </m:r>
-                        </m:e>
-                      </m:d>
-                    </m:oMath>
-                  </m:oMathPara>
+                  <m:oMath xmlns:m="http://schemas.openxmlformats.org/officeDocument/2006/math">
+                    <m:r>
+                      <a:rPr lang="en-US" b="1" i="1" smtClean="0">
+                        <a:latin typeface="Cambria Math" panose="02040503050406030204" pitchFamily="18" charset="0"/>
+                      </a:rPr>
+                      <m:t>𝜽</m:t>
+                    </m:r>
+                    <m:r>
+                      <a:rPr lang="en-US" b="1" i="1" smtClean="0">
+                        <a:latin typeface="Cambria Math" panose="02040503050406030204" pitchFamily="18" charset="0"/>
+                      </a:rPr>
+                      <m:t>∈(</m:t>
+                    </m:r>
+                    <m:r>
+                      <a:rPr lang="en-US" b="1" i="1" smtClean="0">
+                        <a:latin typeface="Cambria Math" panose="02040503050406030204" pitchFamily="18" charset="0"/>
+                      </a:rPr>
+                      <m:t>𝟎</m:t>
+                    </m:r>
+                    <m:r>
+                      <a:rPr lang="en-US" b="1" i="1" smtClean="0">
+                        <a:latin typeface="Cambria Math" panose="02040503050406030204" pitchFamily="18" charset="0"/>
+                      </a:rPr>
+                      <m:t>,</m:t>
+                    </m:r>
+                    <m:r>
+                      <a:rPr lang="en-US" b="1" i="1" smtClean="0">
+                        <a:latin typeface="Cambria Math" panose="02040503050406030204" pitchFamily="18" charset="0"/>
+                      </a:rPr>
+                      <m:t>𝟏</m:t>
+                    </m:r>
+                    <m:r>
+                      <a:rPr lang="en-US" b="1" i="1" smtClean="0">
+                        <a:latin typeface="Cambria Math" panose="02040503050406030204" pitchFamily="18" charset="0"/>
+                      </a:rPr>
+                      <m:t>)</m:t>
+                    </m:r>
+                  </m:oMath>
                 </a14:m>
-                <a:endParaRPr lang="en-US" b="0" dirty="0">
-                  <a:solidFill>
-                    <a:srgbClr val="CD0000"/>
-                  </a:solidFill>
-                </a:endParaRPr>
-              </a:p>
-              <a:p>
-                <a:pPr algn="r"/>
-                <a14:m>
-                  <m:oMathPara xmlns:m="http://schemas.openxmlformats.org/officeDocument/2006/math">
-                    <m:oMathParaPr>
-                      <m:jc m:val="right"/>
-                    </m:oMathParaPr>
-                    <m:oMath xmlns:m="http://schemas.openxmlformats.org/officeDocument/2006/math">
-                      <m:r>
-                        <a:rPr lang="en-US" b="0" i="1" smtClean="0">
-                          <a:solidFill>
-                            <a:srgbClr val="008B00"/>
-                          </a:solidFill>
-                          <a:latin typeface="Cambria Math" panose="02040503050406030204" pitchFamily="18" charset="0"/>
-                        </a:rPr>
-                        <m:t>𝜃</m:t>
-                      </m:r>
-                      <m:r>
-                        <a:rPr lang="en-US" b="0" i="1" smtClean="0">
-                          <a:solidFill>
-                            <a:srgbClr val="008B00"/>
-                          </a:solidFill>
-                          <a:latin typeface="Cambria Math" panose="02040503050406030204" pitchFamily="18" charset="0"/>
-                        </a:rPr>
-                        <m:t>∈</m:t>
-                      </m:r>
-                      <m:d>
-                        <m:dPr>
-                          <m:ctrlPr>
-                            <a:rPr lang="en-US" b="0" i="1" smtClean="0">
-                              <a:solidFill>
-                                <a:srgbClr val="008B00"/>
-                              </a:solidFill>
-                              <a:latin typeface="Cambria Math" panose="02040503050406030204" pitchFamily="18" charset="0"/>
-                            </a:rPr>
-                          </m:ctrlPr>
-                        </m:dPr>
-                        <m:e>
-                          <m:r>
-                            <a:rPr lang="en-US" b="0" i="1" smtClean="0">
-                              <a:solidFill>
-                                <a:srgbClr val="008B00"/>
-                              </a:solidFill>
-                              <a:latin typeface="Cambria Math" panose="02040503050406030204" pitchFamily="18" charset="0"/>
-                            </a:rPr>
-                            <m:t>0,1</m:t>
-                          </m:r>
-                        </m:e>
-                      </m:d>
-                    </m:oMath>
-                  </m:oMathPara>
-                </a14:m>
-                <a:endParaRPr lang="en-US" b="0" dirty="0">
-                  <a:solidFill>
-                    <a:srgbClr val="008B00"/>
-                  </a:solidFill>
+                <a:endParaRPr lang="en-US" b="1" dirty="0">
+                  <a:latin typeface="Arial" panose="020B0604020202020204" pitchFamily="34" charset="0"/>
+                  <a:cs typeface="Arial" panose="020B0604020202020204" pitchFamily="34" charset="0"/>
                 </a:endParaRPr>
               </a:p>
             </p:txBody>
@@ -3296,10 +3510,10 @@
         <mc:Fallback>
           <p:sp>
             <p:nvSpPr>
-              <p:cNvPr id="2" name="TextBox 1">
+              <p:cNvPr id="43" name="TextBox 42">
                 <a:extLst>
                   <a:ext uri="{FF2B5EF4-FFF2-40B4-BE49-F238E27FC236}">
-                    <a16:creationId xmlns:a16="http://schemas.microsoft.com/office/drawing/2014/main" id="{EC90E087-6E5F-99B6-9628-FD23273BEEC0}"/>
+                    <a16:creationId xmlns:a16="http://schemas.microsoft.com/office/drawing/2014/main" id="{E88349D4-A088-D228-03D0-6E8395C5AF30}"/>
                   </a:ext>
                 </a:extLst>
               </p:cNvPr>
@@ -3309,17 +3523,17 @@
               <p:nvPr/>
             </p:nvSpPr>
             <p:spPr>
-              <a:xfrm>
-                <a:off x="4147799" y="2616161"/>
-                <a:ext cx="1142813" cy="646331"/>
+              <a:xfrm rot="16200000">
+                <a:off x="-823889" y="823889"/>
+                <a:ext cx="2017110" cy="369332"/>
               </a:xfrm>
               <a:prstGeom prst="rect">
                 <a:avLst/>
               </a:prstGeom>
               <a:blipFill>
-                <a:blip r:embed="rId6"/>
+                <a:blip r:embed="rId8"/>
                 <a:stretch>
-                  <a:fillRect/>
+                  <a:fillRect l="-6667" r="-23333"/>
                 </a:stretch>
               </a:blipFill>
             </p:spPr>
@@ -3342,10 +3556,10 @@
         <mc:Choice xmlns:a14="http://schemas.microsoft.com/office/drawing/2010/main" Requires="a14">
           <p:sp>
             <p:nvSpPr>
-              <p:cNvPr id="9" name="TextBox 8">
+              <p:cNvPr id="45" name="TextBox 44">
                 <a:extLst>
                   <a:ext uri="{FF2B5EF4-FFF2-40B4-BE49-F238E27FC236}">
-                    <a16:creationId xmlns:a16="http://schemas.microsoft.com/office/drawing/2014/main" id="{9C734CEA-7809-7007-D0EB-1BB630DF8647}"/>
+                    <a16:creationId xmlns:a16="http://schemas.microsoft.com/office/drawing/2014/main" id="{A8D769B5-5D75-CE91-7999-258FC49A6EB6}"/>
                   </a:ext>
                 </a:extLst>
               </p:cNvPr>
@@ -3353,9 +3567,9 @@
               <p:nvPr/>
             </p:nvSpPr>
             <p:spPr>
-              <a:xfrm>
-                <a:off x="9634199" y="2616161"/>
-                <a:ext cx="1142813" cy="646331"/>
+              <a:xfrm rot="16200000">
+                <a:off x="-823889" y="2856327"/>
+                <a:ext cx="2017110" cy="369332"/>
               </a:xfrm>
               <a:prstGeom prst="rect">
                 <a:avLst/>
@@ -3363,124 +3577,62 @@
               <a:noFill/>
             </p:spPr>
             <p:txBody>
-              <a:bodyPr wrap="none" rtlCol="0">
+              <a:bodyPr wrap="square" rtlCol="0">
                 <a:spAutoFit/>
               </a:bodyPr>
               <a:lstStyle/>
               <a:p>
-                <a:pPr algn="r"/>
+                <a:pPr algn="ctr"/>
+                <a:r>
+                  <a:rPr lang="en-US" b="1" dirty="0">
+                    <a:latin typeface="Arial" panose="020B0604020202020204" pitchFamily="34" charset="0"/>
+                    <a:cs typeface="Arial" panose="020B0604020202020204" pitchFamily="34" charset="0"/>
+                  </a:rPr>
+                  <a:t>aDDM </a:t>
+                </a:r>
                 <a14:m>
-                  <m:oMathPara xmlns:m="http://schemas.openxmlformats.org/officeDocument/2006/math">
-                    <m:oMathParaPr>
-                      <m:jc m:val="right"/>
-                    </m:oMathParaPr>
-                    <m:oMath xmlns:m="http://schemas.openxmlformats.org/officeDocument/2006/math">
-                      <m:r>
-                        <a:rPr lang="en-US" b="0" i="1" smtClean="0">
-                          <a:solidFill>
-                            <a:srgbClr val="CD0000"/>
-                          </a:solidFill>
-                          <a:latin typeface="Cambria Math" panose="02040503050406030204" pitchFamily="18" charset="0"/>
-                        </a:rPr>
-                        <m:t>𝜃</m:t>
-                      </m:r>
-                      <m:r>
-                        <a:rPr lang="en-US" b="0" i="1" smtClean="0">
-                          <a:solidFill>
-                            <a:srgbClr val="CD0000"/>
-                          </a:solidFill>
-                          <a:latin typeface="Cambria Math" panose="02040503050406030204" pitchFamily="18" charset="0"/>
-                        </a:rPr>
-                        <m:t>∈</m:t>
-                      </m:r>
-                      <m:d>
-                        <m:dPr>
-                          <m:ctrlPr>
-                            <a:rPr lang="en-US" b="0" i="1" smtClean="0">
-                              <a:solidFill>
-                                <a:srgbClr val="CD0000"/>
-                              </a:solidFill>
-                              <a:latin typeface="Cambria Math" panose="02040503050406030204" pitchFamily="18" charset="0"/>
-                            </a:rPr>
-                          </m:ctrlPr>
-                        </m:dPr>
-                        <m:e>
-                          <m:r>
-                            <a:rPr lang="en-US" b="0" i="1" smtClean="0">
-                              <a:solidFill>
-                                <a:srgbClr val="CD0000"/>
-                              </a:solidFill>
-                              <a:latin typeface="Cambria Math" panose="02040503050406030204" pitchFamily="18" charset="0"/>
-                            </a:rPr>
-                            <m:t>0,1</m:t>
-                          </m:r>
-                        </m:e>
-                      </m:d>
-                    </m:oMath>
-                  </m:oMathPara>
+                  <m:oMath xmlns:m="http://schemas.openxmlformats.org/officeDocument/2006/math">
+                    <m:r>
+                      <a:rPr lang="en-US" b="1" i="1" smtClean="0">
+                        <a:latin typeface="Cambria Math" panose="02040503050406030204" pitchFamily="18" charset="0"/>
+                      </a:rPr>
+                      <m:t>𝜽</m:t>
+                    </m:r>
+                    <m:r>
+                      <a:rPr lang="en-US" b="1" i="1" smtClean="0">
+                        <a:latin typeface="Cambria Math" panose="02040503050406030204" pitchFamily="18" charset="0"/>
+                      </a:rPr>
+                      <m:t>∈(</m:t>
+                    </m:r>
+                    <m:r>
+                      <a:rPr lang="en-US" b="1" i="1" smtClean="0">
+                        <a:latin typeface="Cambria Math" panose="02040503050406030204" pitchFamily="18" charset="0"/>
+                      </a:rPr>
+                      <m:t>𝟎</m:t>
+                    </m:r>
+                    <m:r>
+                      <a:rPr lang="en-US" b="1" i="1" smtClean="0">
+                        <a:latin typeface="Cambria Math" panose="02040503050406030204" pitchFamily="18" charset="0"/>
+                      </a:rPr>
+                      <m:t>,</m:t>
+                    </m:r>
+                    <m:r>
+                      <a:rPr lang="en-US" b="1" i="1" smtClean="0">
+                        <a:latin typeface="Cambria Math" panose="02040503050406030204" pitchFamily="18" charset="0"/>
+                      </a:rPr>
+                      <m:t>𝟐</m:t>
+                    </m:r>
+                    <m:r>
+                      <a:rPr lang="en-US" b="1" i="1" smtClean="0">
+                        <a:latin typeface="Cambria Math" panose="02040503050406030204" pitchFamily="18" charset="0"/>
+                      </a:rPr>
+                      <m:t>)</m:t>
+                    </m:r>
+                  </m:oMath>
                 </a14:m>
-                <a:endParaRPr lang="en-US" b="0" dirty="0">
-                  <a:solidFill>
-                    <a:srgbClr val="CD0000"/>
-                  </a:solidFill>
-                </a:endParaRPr>
-              </a:p>
-              <a:p>
-                <a:pPr algn="r"/>
-                <a14:m>
-                  <m:oMathPara xmlns:m="http://schemas.openxmlformats.org/officeDocument/2006/math">
-                    <m:oMathParaPr>
-                      <m:jc m:val="right"/>
-                    </m:oMathParaPr>
-                    <m:oMath xmlns:m="http://schemas.openxmlformats.org/officeDocument/2006/math">
-                      <m:r>
-                        <a:rPr lang="en-US" b="0" i="1" smtClean="0">
-                          <a:solidFill>
-                            <a:srgbClr val="008B00"/>
-                          </a:solidFill>
-                          <a:latin typeface="Cambria Math" panose="02040503050406030204" pitchFamily="18" charset="0"/>
-                        </a:rPr>
-                        <m:t>𝜃</m:t>
-                      </m:r>
-                      <m:r>
-                        <a:rPr lang="en-US" b="0" i="1" smtClean="0">
-                          <a:solidFill>
-                            <a:srgbClr val="008B00"/>
-                          </a:solidFill>
-                          <a:latin typeface="Cambria Math" panose="02040503050406030204" pitchFamily="18" charset="0"/>
-                        </a:rPr>
-                        <m:t>∈</m:t>
-                      </m:r>
-                      <m:d>
-                        <m:dPr>
-                          <m:ctrlPr>
-                            <a:rPr lang="en-US" b="0" i="1" smtClean="0">
-                              <a:solidFill>
-                                <a:srgbClr val="008B00"/>
-                              </a:solidFill>
-                              <a:latin typeface="Cambria Math" panose="02040503050406030204" pitchFamily="18" charset="0"/>
-                            </a:rPr>
-                          </m:ctrlPr>
-                        </m:dPr>
-                        <m:e>
-                          <m:r>
-                            <a:rPr lang="en-US" b="0" i="1" smtClean="0">
-                              <a:solidFill>
-                                <a:srgbClr val="008B00"/>
-                              </a:solidFill>
-                              <a:latin typeface="Cambria Math" panose="02040503050406030204" pitchFamily="18" charset="0"/>
-                            </a:rPr>
-                            <m:t>0,1</m:t>
-                          </m:r>
-                        </m:e>
-                      </m:d>
-                    </m:oMath>
-                  </m:oMathPara>
-                </a14:m>
-                <a:endParaRPr lang="en-US" b="0" dirty="0">
-                  <a:solidFill>
-                    <a:srgbClr val="008B00"/>
-                  </a:solidFill>
+                <a:endParaRPr lang="en-US" b="1" dirty="0">
+                  <a:latin typeface="Arial" panose="020B0604020202020204" pitchFamily="34" charset="0"/>
+                  <a:cs typeface="Arial" panose="020B0604020202020204" pitchFamily="34" charset="0"/>
                 </a:endParaRPr>
               </a:p>
             </p:txBody>
@@ -3489,10 +3641,10 @@
         <mc:Fallback>
           <p:sp>
             <p:nvSpPr>
-              <p:cNvPr id="9" name="TextBox 8">
+              <p:cNvPr id="45" name="TextBox 44">
                 <a:extLst>
                   <a:ext uri="{FF2B5EF4-FFF2-40B4-BE49-F238E27FC236}">
-                    <a16:creationId xmlns:a16="http://schemas.microsoft.com/office/drawing/2014/main" id="{9C734CEA-7809-7007-D0EB-1BB630DF8647}"/>
+                    <a16:creationId xmlns:a16="http://schemas.microsoft.com/office/drawing/2014/main" id="{A8D769B5-5D75-CE91-7999-258FC49A6EB6}"/>
                   </a:ext>
                 </a:extLst>
               </p:cNvPr>
@@ -3502,17 +3654,17 @@
               <p:nvPr/>
             </p:nvSpPr>
             <p:spPr>
-              <a:xfrm>
-                <a:off x="9634199" y="2616161"/>
-                <a:ext cx="1142813" cy="646331"/>
+              <a:xfrm rot="16200000">
+                <a:off x="-823889" y="2856327"/>
+                <a:ext cx="2017110" cy="369332"/>
               </a:xfrm>
               <a:prstGeom prst="rect">
                 <a:avLst/>
               </a:prstGeom>
               <a:blipFill>
-                <a:blip r:embed="rId7"/>
+                <a:blip r:embed="rId9"/>
                 <a:stretch>
-                  <a:fillRect/>
+                  <a:fillRect l="-6667" r="-23333"/>
                 </a:stretch>
               </a:blipFill>
             </p:spPr>
@@ -3531,414 +3683,182 @@
           </p:sp>
         </mc:Fallback>
       </mc:AlternateContent>
-      <mc:AlternateContent xmlns:mc="http://schemas.openxmlformats.org/markup-compatibility/2006">
-        <mc:Choice xmlns:a14="http://schemas.microsoft.com/office/drawing/2010/main" Requires="a14">
-          <p:sp>
-            <p:nvSpPr>
-              <p:cNvPr id="11" name="TextBox 10">
-                <a:extLst>
-                  <a:ext uri="{FF2B5EF4-FFF2-40B4-BE49-F238E27FC236}">
-                    <a16:creationId xmlns:a16="http://schemas.microsoft.com/office/drawing/2014/main" id="{CD39A06D-AB2B-95B9-717F-BA180313A38B}"/>
-                  </a:ext>
-                </a:extLst>
-              </p:cNvPr>
-              <p:cNvSpPr txBox="1"/>
-              <p:nvPr/>
-            </p:nvSpPr>
-            <p:spPr>
-              <a:xfrm>
-                <a:off x="4147798" y="6362366"/>
-                <a:ext cx="1142813" cy="646331"/>
-              </a:xfrm>
-              <a:prstGeom prst="rect">
-                <a:avLst/>
-              </a:prstGeom>
-              <a:noFill/>
-            </p:spPr>
-            <p:txBody>
-              <a:bodyPr wrap="none" rtlCol="0">
-                <a:spAutoFit/>
-              </a:bodyPr>
-              <a:lstStyle/>
-              <a:p>
-                <a:pPr algn="r"/>
-                <a14:m>
-                  <m:oMathPara xmlns:m="http://schemas.openxmlformats.org/officeDocument/2006/math">
-                    <m:oMathParaPr>
-                      <m:jc m:val="right"/>
-                    </m:oMathParaPr>
-                    <m:oMath xmlns:m="http://schemas.openxmlformats.org/officeDocument/2006/math">
-                      <m:r>
-                        <a:rPr lang="en-US" b="0" i="1" smtClean="0">
-                          <a:solidFill>
-                            <a:srgbClr val="CD0000"/>
-                          </a:solidFill>
-                          <a:latin typeface="Cambria Math" panose="02040503050406030204" pitchFamily="18" charset="0"/>
-                        </a:rPr>
-                        <m:t>𝜃</m:t>
-                      </m:r>
-                      <m:r>
-                        <a:rPr lang="en-US" b="0" i="1" smtClean="0">
-                          <a:solidFill>
-                            <a:srgbClr val="CD0000"/>
-                          </a:solidFill>
-                          <a:latin typeface="Cambria Math" panose="02040503050406030204" pitchFamily="18" charset="0"/>
-                        </a:rPr>
-                        <m:t>∈</m:t>
-                      </m:r>
-                      <m:d>
-                        <m:dPr>
-                          <m:ctrlPr>
-                            <a:rPr lang="en-US" b="0" i="1" smtClean="0">
-                              <a:solidFill>
-                                <a:srgbClr val="CD0000"/>
-                              </a:solidFill>
-                              <a:latin typeface="Cambria Math" panose="02040503050406030204" pitchFamily="18" charset="0"/>
-                            </a:rPr>
-                          </m:ctrlPr>
-                        </m:dPr>
-                        <m:e>
-                          <m:r>
-                            <a:rPr lang="en-US" b="0" i="1" smtClean="0">
-                              <a:solidFill>
-                                <a:srgbClr val="CD0000"/>
-                              </a:solidFill>
-                              <a:latin typeface="Cambria Math" panose="02040503050406030204" pitchFamily="18" charset="0"/>
-                            </a:rPr>
-                            <m:t>1</m:t>
-                          </m:r>
-                          <m:r>
-                            <a:rPr lang="en-US" b="0" i="1" smtClean="0">
-                              <a:solidFill>
-                                <a:srgbClr val="CD0000"/>
-                              </a:solidFill>
-                              <a:latin typeface="Cambria Math" panose="02040503050406030204" pitchFamily="18" charset="0"/>
-                            </a:rPr>
-                            <m:t>,2</m:t>
-                          </m:r>
-                        </m:e>
-                      </m:d>
-                    </m:oMath>
-                  </m:oMathPara>
-                </a14:m>
-                <a:endParaRPr lang="en-US" b="0" dirty="0">
-                  <a:solidFill>
-                    <a:srgbClr val="CD0000"/>
-                  </a:solidFill>
-                </a:endParaRPr>
-              </a:p>
-              <a:p>
-                <a:pPr algn="r"/>
-                <a14:m>
-                  <m:oMathPara xmlns:m="http://schemas.openxmlformats.org/officeDocument/2006/math">
-                    <m:oMathParaPr>
-                      <m:jc m:val="right"/>
-                    </m:oMathParaPr>
-                    <m:oMath xmlns:m="http://schemas.openxmlformats.org/officeDocument/2006/math">
-                      <m:r>
-                        <a:rPr lang="en-US" b="0" i="1" smtClean="0">
-                          <a:solidFill>
-                            <a:srgbClr val="008B00"/>
-                          </a:solidFill>
-                          <a:latin typeface="Cambria Math" panose="02040503050406030204" pitchFamily="18" charset="0"/>
-                        </a:rPr>
-                        <m:t>𝜃</m:t>
-                      </m:r>
-                      <m:r>
-                        <a:rPr lang="en-US" b="0" i="1" smtClean="0">
-                          <a:solidFill>
-                            <a:srgbClr val="008B00"/>
-                          </a:solidFill>
-                          <a:latin typeface="Cambria Math" panose="02040503050406030204" pitchFamily="18" charset="0"/>
-                        </a:rPr>
-                        <m:t>∈</m:t>
-                      </m:r>
-                      <m:d>
-                        <m:dPr>
-                          <m:ctrlPr>
-                            <a:rPr lang="en-US" b="0" i="1" smtClean="0">
-                              <a:solidFill>
-                                <a:srgbClr val="008B00"/>
-                              </a:solidFill>
-                              <a:latin typeface="Cambria Math" panose="02040503050406030204" pitchFamily="18" charset="0"/>
-                            </a:rPr>
-                          </m:ctrlPr>
-                        </m:dPr>
-                        <m:e>
-                          <m:r>
-                            <a:rPr lang="en-US" b="0" i="1" smtClean="0">
-                              <a:solidFill>
-                                <a:srgbClr val="008B00"/>
-                              </a:solidFill>
-                              <a:latin typeface="Cambria Math" panose="02040503050406030204" pitchFamily="18" charset="0"/>
-                            </a:rPr>
-                            <m:t>0,1</m:t>
-                          </m:r>
-                        </m:e>
-                      </m:d>
-                    </m:oMath>
-                  </m:oMathPara>
-                </a14:m>
-                <a:endParaRPr lang="en-US" b="0" dirty="0">
-                  <a:solidFill>
-                    <a:srgbClr val="008B00"/>
-                  </a:solidFill>
-                </a:endParaRPr>
-              </a:p>
-            </p:txBody>
-          </p:sp>
-        </mc:Choice>
-        <mc:Fallback>
-          <p:sp>
-            <p:nvSpPr>
-              <p:cNvPr id="11" name="TextBox 10">
-                <a:extLst>
-                  <a:ext uri="{FF2B5EF4-FFF2-40B4-BE49-F238E27FC236}">
-                    <a16:creationId xmlns:a16="http://schemas.microsoft.com/office/drawing/2014/main" id="{CD39A06D-AB2B-95B9-717F-BA180313A38B}"/>
-                  </a:ext>
-                </a:extLst>
-              </p:cNvPr>
-              <p:cNvSpPr txBox="1">
-                <a:spLocks noRot="1" noChangeAspect="1" noMove="1" noResize="1" noEditPoints="1" noAdjustHandles="1" noChangeArrowheads="1" noChangeShapeType="1" noTextEdit="1"/>
-              </p:cNvSpPr>
-              <p:nvPr/>
-            </p:nvSpPr>
-            <p:spPr>
-              <a:xfrm>
-                <a:off x="4147798" y="6362366"/>
-                <a:ext cx="1142813" cy="646331"/>
-              </a:xfrm>
-              <a:prstGeom prst="rect">
-                <a:avLst/>
-              </a:prstGeom>
-              <a:blipFill>
-                <a:blip r:embed="rId8"/>
-                <a:stretch>
-                  <a:fillRect/>
-                </a:stretch>
-              </a:blipFill>
-            </p:spPr>
-            <p:txBody>
-              <a:bodyPr/>
-              <a:lstStyle/>
-              <a:p>
-                <a:r>
-                  <a:rPr lang="en-US">
-                    <a:noFill/>
-                  </a:rPr>
-                  <a:t> </a:t>
-                </a:r>
-              </a:p>
-            </p:txBody>
-          </p:sp>
-        </mc:Fallback>
-      </mc:AlternateContent>
-      <mc:AlternateContent xmlns:mc="http://schemas.openxmlformats.org/markup-compatibility/2006">
-        <mc:Choice xmlns:a14="http://schemas.microsoft.com/office/drawing/2010/main" Requires="a14">
-          <p:sp>
-            <p:nvSpPr>
-              <p:cNvPr id="13" name="TextBox 12">
-                <a:extLst>
-                  <a:ext uri="{FF2B5EF4-FFF2-40B4-BE49-F238E27FC236}">
-                    <a16:creationId xmlns:a16="http://schemas.microsoft.com/office/drawing/2014/main" id="{1A5C1C99-473C-3C39-7243-EC4DE5527CD1}"/>
-                  </a:ext>
-                </a:extLst>
-              </p:cNvPr>
-              <p:cNvSpPr txBox="1"/>
-              <p:nvPr/>
-            </p:nvSpPr>
-            <p:spPr>
-              <a:xfrm>
-                <a:off x="9634198" y="6362366"/>
-                <a:ext cx="1142813" cy="646331"/>
-              </a:xfrm>
-              <a:prstGeom prst="rect">
-                <a:avLst/>
-              </a:prstGeom>
-              <a:noFill/>
-            </p:spPr>
-            <p:txBody>
-              <a:bodyPr wrap="none" rtlCol="0">
-                <a:spAutoFit/>
-              </a:bodyPr>
-              <a:lstStyle/>
-              <a:p>
-                <a:pPr algn="r"/>
-                <a14:m>
-                  <m:oMathPara xmlns:m="http://schemas.openxmlformats.org/officeDocument/2006/math">
-                    <m:oMathParaPr>
-                      <m:jc m:val="right"/>
-                    </m:oMathParaPr>
-                    <m:oMath xmlns:m="http://schemas.openxmlformats.org/officeDocument/2006/math">
-                      <m:r>
-                        <a:rPr lang="en-US" b="0" i="1" smtClean="0">
-                          <a:solidFill>
-                            <a:srgbClr val="CD0000"/>
-                          </a:solidFill>
-                          <a:latin typeface="Cambria Math" panose="02040503050406030204" pitchFamily="18" charset="0"/>
-                        </a:rPr>
-                        <m:t>𝜃</m:t>
-                      </m:r>
-                      <m:r>
-                        <a:rPr lang="en-US" b="0" i="1" smtClean="0">
-                          <a:solidFill>
-                            <a:srgbClr val="CD0000"/>
-                          </a:solidFill>
-                          <a:latin typeface="Cambria Math" panose="02040503050406030204" pitchFamily="18" charset="0"/>
-                        </a:rPr>
-                        <m:t>∈</m:t>
-                      </m:r>
-                      <m:d>
-                        <m:dPr>
-                          <m:ctrlPr>
-                            <a:rPr lang="en-US" b="0" i="1" smtClean="0">
-                              <a:solidFill>
-                                <a:srgbClr val="CD0000"/>
-                              </a:solidFill>
-                              <a:latin typeface="Cambria Math" panose="02040503050406030204" pitchFamily="18" charset="0"/>
-                            </a:rPr>
-                          </m:ctrlPr>
-                        </m:dPr>
-                        <m:e>
-                          <m:r>
-                            <a:rPr lang="en-US" b="0" i="1" smtClean="0">
-                              <a:solidFill>
-                                <a:srgbClr val="CD0000"/>
-                              </a:solidFill>
-                              <a:latin typeface="Cambria Math" panose="02040503050406030204" pitchFamily="18" charset="0"/>
-                            </a:rPr>
-                            <m:t>1</m:t>
-                          </m:r>
-                          <m:r>
-                            <a:rPr lang="en-US" b="0" i="1" smtClean="0">
-                              <a:solidFill>
-                                <a:srgbClr val="CD0000"/>
-                              </a:solidFill>
-                              <a:latin typeface="Cambria Math" panose="02040503050406030204" pitchFamily="18" charset="0"/>
-                            </a:rPr>
-                            <m:t>,2</m:t>
-                          </m:r>
-                        </m:e>
-                      </m:d>
-                    </m:oMath>
-                  </m:oMathPara>
-                </a14:m>
-                <a:endParaRPr lang="en-US" b="0" dirty="0">
-                  <a:solidFill>
-                    <a:srgbClr val="CD0000"/>
-                  </a:solidFill>
-                </a:endParaRPr>
-              </a:p>
-              <a:p>
-                <a:pPr algn="r"/>
-                <a14:m>
-                  <m:oMathPara xmlns:m="http://schemas.openxmlformats.org/officeDocument/2006/math">
-                    <m:oMathParaPr>
-                      <m:jc m:val="right"/>
-                    </m:oMathParaPr>
-                    <m:oMath xmlns:m="http://schemas.openxmlformats.org/officeDocument/2006/math">
-                      <m:r>
-                        <a:rPr lang="en-US" b="0" i="1" smtClean="0">
-                          <a:solidFill>
-                            <a:srgbClr val="008B00"/>
-                          </a:solidFill>
-                          <a:latin typeface="Cambria Math" panose="02040503050406030204" pitchFamily="18" charset="0"/>
-                        </a:rPr>
-                        <m:t>𝜃</m:t>
-                      </m:r>
-                      <m:r>
-                        <a:rPr lang="en-US" b="0" i="1" smtClean="0">
-                          <a:solidFill>
-                            <a:srgbClr val="008B00"/>
-                          </a:solidFill>
-                          <a:latin typeface="Cambria Math" panose="02040503050406030204" pitchFamily="18" charset="0"/>
-                        </a:rPr>
-                        <m:t>∈</m:t>
-                      </m:r>
-                      <m:d>
-                        <m:dPr>
-                          <m:ctrlPr>
-                            <a:rPr lang="en-US" b="0" i="1" smtClean="0">
-                              <a:solidFill>
-                                <a:srgbClr val="008B00"/>
-                              </a:solidFill>
-                              <a:latin typeface="Cambria Math" panose="02040503050406030204" pitchFamily="18" charset="0"/>
-                            </a:rPr>
-                          </m:ctrlPr>
-                        </m:dPr>
-                        <m:e>
-                          <m:r>
-                            <a:rPr lang="en-US" b="0" i="1" smtClean="0">
-                              <a:solidFill>
-                                <a:srgbClr val="008B00"/>
-                              </a:solidFill>
-                              <a:latin typeface="Cambria Math" panose="02040503050406030204" pitchFamily="18" charset="0"/>
-                            </a:rPr>
-                            <m:t>0,1</m:t>
-                          </m:r>
-                        </m:e>
-                      </m:d>
-                    </m:oMath>
-                  </m:oMathPara>
-                </a14:m>
-                <a:endParaRPr lang="en-US" b="0" dirty="0">
-                  <a:solidFill>
-                    <a:srgbClr val="008B00"/>
-                  </a:solidFill>
-                </a:endParaRPr>
-              </a:p>
-            </p:txBody>
-          </p:sp>
-        </mc:Choice>
-        <mc:Fallback>
-          <p:sp>
-            <p:nvSpPr>
-              <p:cNvPr id="13" name="TextBox 12">
-                <a:extLst>
-                  <a:ext uri="{FF2B5EF4-FFF2-40B4-BE49-F238E27FC236}">
-                    <a16:creationId xmlns:a16="http://schemas.microsoft.com/office/drawing/2014/main" id="{1A5C1C99-473C-3C39-7243-EC4DE5527CD1}"/>
-                  </a:ext>
-                </a:extLst>
-              </p:cNvPr>
-              <p:cNvSpPr txBox="1">
-                <a:spLocks noRot="1" noChangeAspect="1" noMove="1" noResize="1" noEditPoints="1" noAdjustHandles="1" noChangeArrowheads="1" noChangeShapeType="1" noTextEdit="1"/>
-              </p:cNvSpPr>
-              <p:nvPr/>
-            </p:nvSpPr>
-            <p:spPr>
-              <a:xfrm>
-                <a:off x="9634198" y="6362366"/>
-                <a:ext cx="1142813" cy="646331"/>
-              </a:xfrm>
-              <a:prstGeom prst="rect">
-                <a:avLst/>
-              </a:prstGeom>
-              <a:blipFill>
-                <a:blip r:embed="rId9"/>
-                <a:stretch>
-                  <a:fillRect/>
-                </a:stretch>
-              </a:blipFill>
-            </p:spPr>
-            <p:txBody>
-              <a:bodyPr/>
-              <a:lstStyle/>
-              <a:p>
-                <a:r>
-                  <a:rPr lang="en-US">
-                    <a:noFill/>
-                  </a:rPr>
-                  <a:t> </a:t>
-                </a:r>
-              </a:p>
-            </p:txBody>
-          </p:sp>
-        </mc:Fallback>
-      </mc:AlternateContent>
+      <p:sp>
+        <p:nvSpPr>
+          <p:cNvPr id="46" name="TextBox 45">
+            <a:extLst>
+              <a:ext uri="{FF2B5EF4-FFF2-40B4-BE49-F238E27FC236}">
+                <a16:creationId xmlns:a16="http://schemas.microsoft.com/office/drawing/2014/main" id="{DE140250-1230-F73D-9402-7D92569C1A3E}"/>
+              </a:ext>
+            </a:extLst>
+          </p:cNvPr>
+          <p:cNvSpPr txBox="1"/>
+          <p:nvPr/>
+        </p:nvSpPr>
+        <p:spPr>
+          <a:xfrm rot="16200000">
+            <a:off x="-823889" y="4873437"/>
+            <a:ext cx="2017110" cy="369332"/>
+          </a:xfrm>
+          <a:prstGeom prst="rect">
+            <a:avLst/>
+          </a:prstGeom>
+          <a:noFill/>
+        </p:spPr>
+        <p:txBody>
+          <a:bodyPr wrap="square" rtlCol="0">
+            <a:spAutoFit/>
+          </a:bodyPr>
+          <a:lstStyle/>
+          <a:p>
+            <a:pPr algn="ctr"/>
+            <a:r>
+              <a:rPr lang="en-US" b="1" dirty="0" err="1">
+                <a:latin typeface="Arial" panose="020B0604020202020204" pitchFamily="34" charset="0"/>
+                <a:cs typeface="Arial" panose="020B0604020202020204" pitchFamily="34" charset="0"/>
+              </a:rPr>
+              <a:t>OPPaDDM</a:t>
+            </a:r>
+            <a:endParaRPr lang="en-US" b="1" dirty="0">
+              <a:latin typeface="Arial" panose="020B0604020202020204" pitchFamily="34" charset="0"/>
+              <a:cs typeface="Arial" panose="020B0604020202020204" pitchFamily="34" charset="0"/>
+            </a:endParaRPr>
+          </a:p>
+        </p:txBody>
+      </p:sp>
+      <p:sp>
+        <p:nvSpPr>
+          <p:cNvPr id="47" name="TextBox 46">
+            <a:extLst>
+              <a:ext uri="{FF2B5EF4-FFF2-40B4-BE49-F238E27FC236}">
+                <a16:creationId xmlns:a16="http://schemas.microsoft.com/office/drawing/2014/main" id="{9C4E237E-9379-0B6B-B73C-53E82E03875E}"/>
+              </a:ext>
+            </a:extLst>
+          </p:cNvPr>
+          <p:cNvSpPr txBox="1"/>
+          <p:nvPr/>
+        </p:nvSpPr>
+        <p:spPr>
+          <a:xfrm rot="16200000">
+            <a:off x="-823889" y="6913539"/>
+            <a:ext cx="2017110" cy="369332"/>
+          </a:xfrm>
+          <a:prstGeom prst="rect">
+            <a:avLst/>
+          </a:prstGeom>
+          <a:noFill/>
+        </p:spPr>
+        <p:txBody>
+          <a:bodyPr wrap="square" rtlCol="0">
+            <a:spAutoFit/>
+          </a:bodyPr>
+          <a:lstStyle/>
+          <a:p>
+            <a:pPr algn="ctr"/>
+            <a:r>
+              <a:rPr lang="en-US" b="1" dirty="0" err="1">
+                <a:latin typeface="Arial" panose="020B0604020202020204" pitchFamily="34" charset="0"/>
+                <a:cs typeface="Arial" panose="020B0604020202020204" pitchFamily="34" charset="0"/>
+              </a:rPr>
+              <a:t>TrOPPaDDM</a:t>
+            </a:r>
+            <a:endParaRPr lang="en-US" b="1" dirty="0">
+              <a:latin typeface="Arial" panose="020B0604020202020204" pitchFamily="34" charset="0"/>
+              <a:cs typeface="Arial" panose="020B0604020202020204" pitchFamily="34" charset="0"/>
+            </a:endParaRPr>
+          </a:p>
+        </p:txBody>
+      </p:sp>
+      <p:sp>
+        <p:nvSpPr>
+          <p:cNvPr id="48" name="TextBox 47">
+            <a:extLst>
+              <a:ext uri="{FF2B5EF4-FFF2-40B4-BE49-F238E27FC236}">
+                <a16:creationId xmlns:a16="http://schemas.microsoft.com/office/drawing/2014/main" id="{5F569539-041E-239F-68F1-7D5AF1C8132C}"/>
+              </a:ext>
+            </a:extLst>
+          </p:cNvPr>
+          <p:cNvSpPr txBox="1"/>
+          <p:nvPr/>
+        </p:nvSpPr>
+        <p:spPr>
+          <a:xfrm rot="16200000">
+            <a:off x="-823889" y="8938313"/>
+            <a:ext cx="2017110" cy="369332"/>
+          </a:xfrm>
+          <a:prstGeom prst="rect">
+            <a:avLst/>
+          </a:prstGeom>
+          <a:noFill/>
+        </p:spPr>
+        <p:txBody>
+          <a:bodyPr wrap="square" rtlCol="0">
+            <a:spAutoFit/>
+          </a:bodyPr>
+          <a:lstStyle/>
+          <a:p>
+            <a:pPr algn="ctr"/>
+            <a:r>
+              <a:rPr lang="en-US" b="1" dirty="0" err="1">
+                <a:latin typeface="Arial" panose="020B0604020202020204" pitchFamily="34" charset="0"/>
+                <a:cs typeface="Arial" panose="020B0604020202020204" pitchFamily="34" charset="0"/>
+              </a:rPr>
+              <a:t>AddDDM</a:t>
+            </a:r>
+            <a:endParaRPr lang="en-US" b="1" dirty="0">
+              <a:latin typeface="Arial" panose="020B0604020202020204" pitchFamily="34" charset="0"/>
+              <a:cs typeface="Arial" panose="020B0604020202020204" pitchFamily="34" charset="0"/>
+            </a:endParaRPr>
+          </a:p>
+        </p:txBody>
+      </p:sp>
+      <p:sp>
+        <p:nvSpPr>
+          <p:cNvPr id="49" name="TextBox 48">
+            <a:extLst>
+              <a:ext uri="{FF2B5EF4-FFF2-40B4-BE49-F238E27FC236}">
+                <a16:creationId xmlns:a16="http://schemas.microsoft.com/office/drawing/2014/main" id="{F6F4897A-5E17-20D3-3B4A-15C8DCEDC17E}"/>
+              </a:ext>
+            </a:extLst>
+          </p:cNvPr>
+          <p:cNvSpPr txBox="1"/>
+          <p:nvPr/>
+        </p:nvSpPr>
+        <p:spPr>
+          <a:xfrm rot="16200000">
+            <a:off x="-823889" y="10963087"/>
+            <a:ext cx="2017110" cy="369332"/>
+          </a:xfrm>
+          <a:prstGeom prst="rect">
+            <a:avLst/>
+          </a:prstGeom>
+          <a:noFill/>
+        </p:spPr>
+        <p:txBody>
+          <a:bodyPr wrap="square" rtlCol="0">
+            <a:spAutoFit/>
+          </a:bodyPr>
+          <a:lstStyle/>
+          <a:p>
+            <a:pPr algn="ctr"/>
+            <a:r>
+              <a:rPr lang="en-US" b="1" dirty="0" err="1">
+                <a:latin typeface="Arial" panose="020B0604020202020204" pitchFamily="34" charset="0"/>
+                <a:cs typeface="Arial" panose="020B0604020202020204" pitchFamily="34" charset="0"/>
+              </a:rPr>
+              <a:t>RaDDM</a:t>
+            </a:r>
+            <a:endParaRPr lang="en-US" b="1" dirty="0">
+              <a:latin typeface="Arial" panose="020B0604020202020204" pitchFamily="34" charset="0"/>
+              <a:cs typeface="Arial" panose="020B0604020202020204" pitchFamily="34" charset="0"/>
+            </a:endParaRPr>
+          </a:p>
+        </p:txBody>
+      </p:sp>
     </p:spTree>
     <p:extLst>
       <p:ext uri="{BB962C8B-B14F-4D97-AF65-F5344CB8AC3E}">
-        <p14:creationId xmlns:p14="http://schemas.microsoft.com/office/powerpoint/2010/main" val="3707629380"/>
+        <p14:creationId xmlns:p14="http://schemas.microsoft.com/office/powerpoint/2010/main" val="678082349"/>
       </p:ext>
     </p:extLst>
   </p:cSld>
